--- a/Wind_IITKanpur.pptx
+++ b/Wind_IITKanpur.pptx
@@ -3,28 +3,26 @@
 <p:presentation xmlns:a="http://schemas.openxmlformats.org/drawingml/2006/main" xmlns:r="http://schemas.openxmlformats.org/officeDocument/2006/relationships" xmlns:p="http://schemas.openxmlformats.org/presentationml/2006/main" saveSubsetFonts="1" autoCompressPictures="0">
   <p:sldMasterIdLst>
     <p:sldMasterId id="2147483648" r:id="rId1"/>
-    <p:sldMasterId id="2147483767" r:id="rId2"/>
-    <p:sldMasterId id="2147483774" r:id="rId3"/>
-    <p:sldMasterId id="2147483781" r:id="rId4"/>
-    <p:sldMasterId id="2147483788" r:id="rId5"/>
-    <p:sldMasterId id="2147483795" r:id="rId6"/>
-    <p:sldMasterId id="2147483802" r:id="rId7"/>
+    <p:sldMasterId id="2147483774" r:id="rId2"/>
+    <p:sldMasterId id="2147483781" r:id="rId3"/>
+    <p:sldMasterId id="2147483788" r:id="rId4"/>
+    <p:sldMasterId id="2147483795" r:id="rId5"/>
+    <p:sldMasterId id="2147483802" r:id="rId6"/>
   </p:sldMasterIdLst>
   <p:notesMasterIdLst>
-    <p:notesMasterId r:id="rId16"/>
+    <p:notesMasterId r:id="rId14"/>
   </p:notesMasterIdLst>
   <p:handoutMasterIdLst>
-    <p:handoutMasterId r:id="rId17"/>
+    <p:handoutMasterId r:id="rId15"/>
   </p:handoutMasterIdLst>
   <p:sldIdLst>
-    <p:sldId id="350" r:id="rId8"/>
-    <p:sldId id="351" r:id="rId9"/>
-    <p:sldId id="352" r:id="rId10"/>
-    <p:sldId id="353" r:id="rId11"/>
-    <p:sldId id="354" r:id="rId12"/>
-    <p:sldId id="355" r:id="rId13"/>
-    <p:sldId id="357" r:id="rId14"/>
-    <p:sldId id="359" r:id="rId15"/>
+    <p:sldId id="350" r:id="rId7"/>
+    <p:sldId id="352" r:id="rId8"/>
+    <p:sldId id="353" r:id="rId9"/>
+    <p:sldId id="354" r:id="rId10"/>
+    <p:sldId id="355" r:id="rId11"/>
+    <p:sldId id="357" r:id="rId12"/>
+    <p:sldId id="359" r:id="rId13"/>
   </p:sldIdLst>
   <p:sldSz cx="9144000" cy="5143500" type="screen16x9"/>
   <p:notesSz cx="6858000" cy="9144000"/>
@@ -297,7 +295,7 @@
               <a:pPr>
                 <a:defRPr/>
               </a:pPr>
-              <a:t>11/8/2020</a:t>
+              <a:t>11/11/2020</a:t>
             </a:fld>
             <a:endParaRPr lang="en-US" dirty="0"/>
           </a:p>
@@ -509,7 +507,7 @@
               <a:pPr>
                 <a:defRPr/>
               </a:pPr>
-              <a:t>11/8/2020</a:t>
+              <a:t>11/11/2020</a:t>
             </a:fld>
             <a:endParaRPr lang="en-US" dirty="0"/>
           </a:p>
@@ -951,7 +949,7 @@
     </p:spTree>
     <p:extLst>
       <p:ext uri="{BB962C8B-B14F-4D97-AF65-F5344CB8AC3E}">
-        <p14:creationId xmlns:p14="http://schemas.microsoft.com/office/powerpoint/2010/main" val="1767601998"/>
+        <p14:creationId xmlns:p14="http://schemas.microsoft.com/office/powerpoint/2010/main" val="403249724"/>
       </p:ext>
     </p:extLst>
   </p:cSld>
@@ -1079,7 +1077,7 @@
     </p:spTree>
     <p:extLst>
       <p:ext uri="{BB962C8B-B14F-4D97-AF65-F5344CB8AC3E}">
-        <p14:creationId xmlns:p14="http://schemas.microsoft.com/office/powerpoint/2010/main" val="403249724"/>
+        <p14:creationId xmlns:p14="http://schemas.microsoft.com/office/powerpoint/2010/main" val="6292604"/>
       </p:ext>
     </p:extLst>
   </p:cSld>
@@ -1207,7 +1205,7 @@
     </p:spTree>
     <p:extLst>
       <p:ext uri="{BB962C8B-B14F-4D97-AF65-F5344CB8AC3E}">
-        <p14:creationId xmlns:p14="http://schemas.microsoft.com/office/powerpoint/2010/main" val="6292604"/>
+        <p14:creationId xmlns:p14="http://schemas.microsoft.com/office/powerpoint/2010/main" val="4202672987"/>
       </p:ext>
     </p:extLst>
   </p:cSld>
@@ -1335,7 +1333,7 @@
     </p:spTree>
     <p:extLst>
       <p:ext uri="{BB962C8B-B14F-4D97-AF65-F5344CB8AC3E}">
-        <p14:creationId xmlns:p14="http://schemas.microsoft.com/office/powerpoint/2010/main" val="4202672987"/>
+        <p14:creationId xmlns:p14="http://schemas.microsoft.com/office/powerpoint/2010/main" val="3434794301"/>
       </p:ext>
     </p:extLst>
   </p:cSld>
@@ -1451,134 +1449,6 @@
               </a:rPr>
               <a:pPr/>
               <a:t>6</a:t>
-            </a:fld>
-            <a:endParaRPr lang="en-US">
-              <a:solidFill>
-                <a:prstClr val="black"/>
-              </a:solidFill>
-            </a:endParaRPr>
-          </a:p>
-        </p:txBody>
-      </p:sp>
-    </p:spTree>
-    <p:extLst>
-      <p:ext uri="{BB962C8B-B14F-4D97-AF65-F5344CB8AC3E}">
-        <p14:creationId xmlns:p14="http://schemas.microsoft.com/office/powerpoint/2010/main" val="3434794301"/>
-      </p:ext>
-    </p:extLst>
-  </p:cSld>
-  <p:clrMapOvr>
-    <a:masterClrMapping/>
-  </p:clrMapOvr>
-</p:notes>
-</file>
-
-<file path=ppt/notesSlides/notesSlide6.xml><?xml version="1.0" encoding="utf-8"?>
-<p:notes xmlns:a="http://schemas.openxmlformats.org/drawingml/2006/main" xmlns:r="http://schemas.openxmlformats.org/officeDocument/2006/relationships" xmlns:p="http://schemas.openxmlformats.org/presentationml/2006/main">
-  <p:cSld>
-    <p:spTree>
-      <p:nvGrpSpPr>
-        <p:cNvPr id="1" name=""/>
-        <p:cNvGrpSpPr/>
-        <p:nvPr/>
-      </p:nvGrpSpPr>
-      <p:grpSpPr>
-        <a:xfrm>
-          <a:off x="0" y="0"/>
-          <a:ext cx="0" cy="0"/>
-          <a:chOff x="0" y="0"/>
-          <a:chExt cx="0" cy="0"/>
-        </a:xfrm>
-      </p:grpSpPr>
-      <p:sp>
-        <p:nvSpPr>
-          <p:cNvPr id="11266" name="Slide Image Placeholder 1"/>
-          <p:cNvSpPr>
-            <a:spLocks noGrp="1" noRot="1" noChangeAspect="1" noTextEdit="1"/>
-          </p:cNvSpPr>
-          <p:nvPr>
-            <p:ph type="sldImg"/>
-          </p:nvPr>
-        </p:nvSpPr>
-        <p:spPr bwMode="auto">
-          <a:xfrm>
-            <a:off x="381000" y="685800"/>
-            <a:ext cx="6096000" cy="3429000"/>
-          </a:xfrm>
-          <a:noFill/>
-          <a:ln>
-            <a:solidFill>
-              <a:srgbClr val="000000"/>
-            </a:solidFill>
-            <a:miter lim="800000"/>
-            <a:headEnd/>
-            <a:tailEnd/>
-          </a:ln>
-        </p:spPr>
-      </p:sp>
-      <p:sp>
-        <p:nvSpPr>
-          <p:cNvPr id="3" name="Notes Placeholder 2"/>
-          <p:cNvSpPr>
-            <a:spLocks noGrp="1"/>
-          </p:cNvSpPr>
-          <p:nvPr>
-            <p:ph type="body" idx="1"/>
-          </p:nvPr>
-        </p:nvSpPr>
-        <p:spPr/>
-        <p:txBody>
-          <a:bodyPr>
-            <a:normAutofit/>
-          </a:bodyPr>
-          <a:lstStyle/>
-          <a:p>
-            <a:pPr eaLnBrk="1" fontAlgn="auto" hangingPunct="1">
-              <a:spcBef>
-                <a:spcPts val="0"/>
-              </a:spcBef>
-              <a:spcAft>
-                <a:spcPts val="0"/>
-              </a:spcAft>
-              <a:defRPr/>
-            </a:pPr>
-            <a:endParaRPr lang="en-US" dirty="0">
-              <a:ea typeface="+mn-ea"/>
-              <a:cs typeface="+mn-cs"/>
-            </a:endParaRPr>
-          </a:p>
-        </p:txBody>
-      </p:sp>
-      <p:sp>
-        <p:nvSpPr>
-          <p:cNvPr id="11268" name="Slide Number Placeholder 3"/>
-          <p:cNvSpPr>
-            <a:spLocks noGrp="1"/>
-          </p:cNvSpPr>
-          <p:nvPr>
-            <p:ph type="sldNum" sz="quarter" idx="5"/>
-          </p:nvPr>
-        </p:nvSpPr>
-        <p:spPr bwMode="auto">
-          <a:noFill/>
-          <a:ln>
-            <a:miter lim="800000"/>
-            <a:headEnd/>
-            <a:tailEnd/>
-          </a:ln>
-        </p:spPr>
-        <p:txBody>
-          <a:bodyPr/>
-          <a:lstStyle/>
-          <a:p>
-            <a:fld id="{FFCF4217-BED4-6C4D-91F9-FB468DF30686}" type="slidenum">
-              <a:rPr lang="en-US">
-                <a:solidFill>
-                  <a:prstClr val="black"/>
-                </a:solidFill>
-              </a:rPr>
-              <a:pPr/>
-              <a:t>7</a:t>
             </a:fld>
             <a:endParaRPr lang="en-US">
               <a:solidFill>
@@ -1820,7 +1690,7 @@
           <p:cNvPr id="4" name="Picture 3" descr="Creditandfraudrisk_logo-RGB.eps">
             <a:extLst>
               <a:ext uri="{FF2B5EF4-FFF2-40B4-BE49-F238E27FC236}">
-                <a16:creationId xmlns:a16="http://schemas.microsoft.com/office/drawing/2014/main" id="{E21C8979-DCB4-40E8-B197-5A4C9E21EBE0}"/>
+                <a16:creationId xmlns:a16="http://schemas.microsoft.com/office/drawing/2014/main" id="{F3702CC2-1F60-4FA6-85B3-289E04FC5A0E}"/>
               </a:ext>
             </a:extLst>
           </p:cNvPr>
@@ -1853,7 +1723,7 @@
     </p:spTree>
     <p:extLst>
       <p:ext uri="{BB962C8B-B14F-4D97-AF65-F5344CB8AC3E}">
-        <p14:creationId xmlns:p14="http://schemas.microsoft.com/office/powerpoint/2010/main" val="596315716"/>
+        <p14:creationId xmlns:p14="http://schemas.microsoft.com/office/powerpoint/2010/main" val="1629871361"/>
       </p:ext>
     </p:extLst>
   </p:cSld>
@@ -1959,7 +1829,7 @@
     </p:spTree>
     <p:extLst>
       <p:ext uri="{BB962C8B-B14F-4D97-AF65-F5344CB8AC3E}">
-        <p14:creationId xmlns:p14="http://schemas.microsoft.com/office/powerpoint/2010/main" val="4146716648"/>
+        <p14:creationId xmlns:p14="http://schemas.microsoft.com/office/powerpoint/2010/main" val="237660101"/>
       </p:ext>
     </p:extLst>
   </p:cSld>
@@ -2068,7 +1938,7 @@
     </p:spTree>
     <p:extLst>
       <p:ext uri="{BB962C8B-B14F-4D97-AF65-F5344CB8AC3E}">
-        <p14:creationId xmlns:p14="http://schemas.microsoft.com/office/powerpoint/2010/main" val="3066502680"/>
+        <p14:creationId xmlns:p14="http://schemas.microsoft.com/office/powerpoint/2010/main" val="1971256556"/>
       </p:ext>
     </p:extLst>
   </p:cSld>
@@ -2227,7 +2097,7 @@
     </p:spTree>
     <p:extLst>
       <p:ext uri="{BB962C8B-B14F-4D97-AF65-F5344CB8AC3E}">
-        <p14:creationId xmlns:p14="http://schemas.microsoft.com/office/powerpoint/2010/main" val="3862255390"/>
+        <p14:creationId xmlns:p14="http://schemas.microsoft.com/office/powerpoint/2010/main" val="1187624216"/>
       </p:ext>
     </p:extLst>
   </p:cSld>
@@ -2402,7 +2272,7 @@
     </p:spTree>
     <p:extLst>
       <p:ext uri="{BB962C8B-B14F-4D97-AF65-F5344CB8AC3E}">
-        <p14:creationId xmlns:p14="http://schemas.microsoft.com/office/powerpoint/2010/main" val="7134206"/>
+        <p14:creationId xmlns:p14="http://schemas.microsoft.com/office/powerpoint/2010/main" val="2055829521"/>
       </p:ext>
     </p:extLst>
   </p:cSld>
@@ -2569,7 +2439,7 @@
           <p:cNvPr id="6" name="Picture 5" descr="Creditandfraudrisk_logo-RGB.eps">
             <a:extLst>
               <a:ext uri="{FF2B5EF4-FFF2-40B4-BE49-F238E27FC236}">
-                <a16:creationId xmlns:a16="http://schemas.microsoft.com/office/drawing/2014/main" id="{36F88208-84DC-4EF5-B655-94DB01BA47B0}"/>
+                <a16:creationId xmlns:a16="http://schemas.microsoft.com/office/drawing/2014/main" id="{8A26A31A-9A32-4332-880E-8D2636CF02B6}"/>
               </a:ext>
             </a:extLst>
           </p:cNvPr>
@@ -2602,7 +2472,7 @@
     </p:spTree>
     <p:extLst>
       <p:ext uri="{BB962C8B-B14F-4D97-AF65-F5344CB8AC3E}">
-        <p14:creationId xmlns:p14="http://schemas.microsoft.com/office/powerpoint/2010/main" val="1147806316"/>
+        <p14:creationId xmlns:p14="http://schemas.microsoft.com/office/powerpoint/2010/main" val="592682971"/>
       </p:ext>
     </p:extLst>
   </p:cSld>
@@ -2686,7 +2556,7 @@
           <p:cNvPr id="4" name="Picture 3" descr="Creditandfraudrisk_logo-RGB.eps">
             <a:extLst>
               <a:ext uri="{FF2B5EF4-FFF2-40B4-BE49-F238E27FC236}">
-                <a16:creationId xmlns:a16="http://schemas.microsoft.com/office/drawing/2014/main" id="{F3702CC2-1F60-4FA6-85B3-289E04FC5A0E}"/>
+                <a16:creationId xmlns:a16="http://schemas.microsoft.com/office/drawing/2014/main" id="{E708BDDA-126C-45D3-B628-4A08593D3F0C}"/>
               </a:ext>
             </a:extLst>
           </p:cNvPr>
@@ -2719,7 +2589,7 @@
     </p:spTree>
     <p:extLst>
       <p:ext uri="{BB962C8B-B14F-4D97-AF65-F5344CB8AC3E}">
-        <p14:creationId xmlns:p14="http://schemas.microsoft.com/office/powerpoint/2010/main" val="1629871361"/>
+        <p14:creationId xmlns:p14="http://schemas.microsoft.com/office/powerpoint/2010/main" val="656542633"/>
       </p:ext>
     </p:extLst>
   </p:cSld>
@@ -2825,7 +2695,7 @@
     </p:spTree>
     <p:extLst>
       <p:ext uri="{BB962C8B-B14F-4D97-AF65-F5344CB8AC3E}">
-        <p14:creationId xmlns:p14="http://schemas.microsoft.com/office/powerpoint/2010/main" val="237660101"/>
+        <p14:creationId xmlns:p14="http://schemas.microsoft.com/office/powerpoint/2010/main" val="1877605526"/>
       </p:ext>
     </p:extLst>
   </p:cSld>
@@ -2934,7 +2804,7 @@
     </p:spTree>
     <p:extLst>
       <p:ext uri="{BB962C8B-B14F-4D97-AF65-F5344CB8AC3E}">
-        <p14:creationId xmlns:p14="http://schemas.microsoft.com/office/powerpoint/2010/main" val="1971256556"/>
+        <p14:creationId xmlns:p14="http://schemas.microsoft.com/office/powerpoint/2010/main" val="4097146736"/>
       </p:ext>
     </p:extLst>
   </p:cSld>
@@ -3093,7 +2963,7 @@
     </p:spTree>
     <p:extLst>
       <p:ext uri="{BB962C8B-B14F-4D97-AF65-F5344CB8AC3E}">
-        <p14:creationId xmlns:p14="http://schemas.microsoft.com/office/powerpoint/2010/main" val="1187624216"/>
+        <p14:creationId xmlns:p14="http://schemas.microsoft.com/office/powerpoint/2010/main" val="4109203255"/>
       </p:ext>
     </p:extLst>
   </p:cSld>
@@ -3419,7 +3289,7 @@
     </p:spTree>
     <p:extLst>
       <p:ext uri="{BB962C8B-B14F-4D97-AF65-F5344CB8AC3E}">
-        <p14:creationId xmlns:p14="http://schemas.microsoft.com/office/powerpoint/2010/main" val="2055829521"/>
+        <p14:creationId xmlns:p14="http://schemas.microsoft.com/office/powerpoint/2010/main" val="3116204645"/>
       </p:ext>
     </p:extLst>
   </p:cSld>
@@ -3586,7 +3456,7 @@
           <p:cNvPr id="6" name="Picture 5" descr="Creditandfraudrisk_logo-RGB.eps">
             <a:extLst>
               <a:ext uri="{FF2B5EF4-FFF2-40B4-BE49-F238E27FC236}">
-                <a16:creationId xmlns:a16="http://schemas.microsoft.com/office/drawing/2014/main" id="{8A26A31A-9A32-4332-880E-8D2636CF02B6}"/>
+                <a16:creationId xmlns:a16="http://schemas.microsoft.com/office/drawing/2014/main" id="{935B7B8F-8B18-4F51-B936-94F0CE96C535}"/>
               </a:ext>
             </a:extLst>
           </p:cNvPr>
@@ -3619,7 +3489,7 @@
     </p:spTree>
     <p:extLst>
       <p:ext uri="{BB962C8B-B14F-4D97-AF65-F5344CB8AC3E}">
-        <p14:creationId xmlns:p14="http://schemas.microsoft.com/office/powerpoint/2010/main" val="592682971"/>
+        <p14:creationId xmlns:p14="http://schemas.microsoft.com/office/powerpoint/2010/main" val="177330357"/>
       </p:ext>
     </p:extLst>
   </p:cSld>
@@ -3703,7 +3573,7 @@
           <p:cNvPr id="4" name="Picture 3" descr="Creditandfraudrisk_logo-RGB.eps">
             <a:extLst>
               <a:ext uri="{FF2B5EF4-FFF2-40B4-BE49-F238E27FC236}">
-                <a16:creationId xmlns:a16="http://schemas.microsoft.com/office/drawing/2014/main" id="{E708BDDA-126C-45D3-B628-4A08593D3F0C}"/>
+                <a16:creationId xmlns:a16="http://schemas.microsoft.com/office/drawing/2014/main" id="{D69C22DF-4285-4D2D-BBC6-7BB31FB53D0E}"/>
               </a:ext>
             </a:extLst>
           </p:cNvPr>
@@ -3736,7 +3606,7 @@
     </p:spTree>
     <p:extLst>
       <p:ext uri="{BB962C8B-B14F-4D97-AF65-F5344CB8AC3E}">
-        <p14:creationId xmlns:p14="http://schemas.microsoft.com/office/powerpoint/2010/main" val="656542633"/>
+        <p14:creationId xmlns:p14="http://schemas.microsoft.com/office/powerpoint/2010/main" val="3784889086"/>
       </p:ext>
     </p:extLst>
   </p:cSld>
@@ -3842,7 +3712,7 @@
     </p:spTree>
     <p:extLst>
       <p:ext uri="{BB962C8B-B14F-4D97-AF65-F5344CB8AC3E}">
-        <p14:creationId xmlns:p14="http://schemas.microsoft.com/office/powerpoint/2010/main" val="1877605526"/>
+        <p14:creationId xmlns:p14="http://schemas.microsoft.com/office/powerpoint/2010/main" val="3642905032"/>
       </p:ext>
     </p:extLst>
   </p:cSld>
@@ -3951,7 +3821,7 @@
     </p:spTree>
     <p:extLst>
       <p:ext uri="{BB962C8B-B14F-4D97-AF65-F5344CB8AC3E}">
-        <p14:creationId xmlns:p14="http://schemas.microsoft.com/office/powerpoint/2010/main" val="4097146736"/>
+        <p14:creationId xmlns:p14="http://schemas.microsoft.com/office/powerpoint/2010/main" val="1509450581"/>
       </p:ext>
     </p:extLst>
   </p:cSld>
@@ -4110,7 +3980,7 @@
     </p:spTree>
     <p:extLst>
       <p:ext uri="{BB962C8B-B14F-4D97-AF65-F5344CB8AC3E}">
-        <p14:creationId xmlns:p14="http://schemas.microsoft.com/office/powerpoint/2010/main" val="4109203255"/>
+        <p14:creationId xmlns:p14="http://schemas.microsoft.com/office/powerpoint/2010/main" val="4286900826"/>
       </p:ext>
     </p:extLst>
   </p:cSld>
@@ -4285,7 +4155,7 @@
     </p:spTree>
     <p:extLst>
       <p:ext uri="{BB962C8B-B14F-4D97-AF65-F5344CB8AC3E}">
-        <p14:creationId xmlns:p14="http://schemas.microsoft.com/office/powerpoint/2010/main" val="3116204645"/>
+        <p14:creationId xmlns:p14="http://schemas.microsoft.com/office/powerpoint/2010/main" val="2602975121"/>
       </p:ext>
     </p:extLst>
   </p:cSld>
@@ -4370,7 +4240,7 @@
         </p:nvSpPr>
         <p:spPr>
           <a:xfrm>
-            <a:off x="0" y="2563587"/>
+            <a:off x="0" y="2570514"/>
             <a:ext cx="9144000" cy="2579913"/>
           </a:xfrm>
           <a:prstGeom prst="rect">
@@ -4452,7 +4322,7 @@
           <p:cNvPr id="6" name="Picture 5" descr="Creditandfraudrisk_logo-RGB.eps">
             <a:extLst>
               <a:ext uri="{FF2B5EF4-FFF2-40B4-BE49-F238E27FC236}">
-                <a16:creationId xmlns:a16="http://schemas.microsoft.com/office/drawing/2014/main" id="{935B7B8F-8B18-4F51-B936-94F0CE96C535}"/>
+                <a16:creationId xmlns:a16="http://schemas.microsoft.com/office/drawing/2014/main" id="{5081A89A-6C56-4E4F-BFD3-300D6FDB9053}"/>
               </a:ext>
             </a:extLst>
           </p:cNvPr>
@@ -4485,7 +4355,7 @@
     </p:spTree>
     <p:extLst>
       <p:ext uri="{BB962C8B-B14F-4D97-AF65-F5344CB8AC3E}">
-        <p14:creationId xmlns:p14="http://schemas.microsoft.com/office/powerpoint/2010/main" val="177330357"/>
+        <p14:creationId xmlns:p14="http://schemas.microsoft.com/office/powerpoint/2010/main" val="592323595"/>
       </p:ext>
     </p:extLst>
   </p:cSld>
@@ -4569,7 +4439,7 @@
           <p:cNvPr id="4" name="Picture 3" descr="Creditandfraudrisk_logo-RGB.eps">
             <a:extLst>
               <a:ext uri="{FF2B5EF4-FFF2-40B4-BE49-F238E27FC236}">
-                <a16:creationId xmlns:a16="http://schemas.microsoft.com/office/drawing/2014/main" id="{D69C22DF-4285-4D2D-BBC6-7BB31FB53D0E}"/>
+                <a16:creationId xmlns:a16="http://schemas.microsoft.com/office/drawing/2014/main" id="{643562B9-B351-46FB-857F-D0B1D86C1613}"/>
               </a:ext>
             </a:extLst>
           </p:cNvPr>
@@ -4602,7 +4472,7 @@
     </p:spTree>
     <p:extLst>
       <p:ext uri="{BB962C8B-B14F-4D97-AF65-F5344CB8AC3E}">
-        <p14:creationId xmlns:p14="http://schemas.microsoft.com/office/powerpoint/2010/main" val="3784889086"/>
+        <p14:creationId xmlns:p14="http://schemas.microsoft.com/office/powerpoint/2010/main" val="2616612655"/>
       </p:ext>
     </p:extLst>
   </p:cSld>
@@ -4708,7 +4578,7 @@
     </p:spTree>
     <p:extLst>
       <p:ext uri="{BB962C8B-B14F-4D97-AF65-F5344CB8AC3E}">
-        <p14:creationId xmlns:p14="http://schemas.microsoft.com/office/powerpoint/2010/main" val="3642905032"/>
+        <p14:creationId xmlns:p14="http://schemas.microsoft.com/office/powerpoint/2010/main" val="742144047"/>
       </p:ext>
     </p:extLst>
   </p:cSld>
@@ -5000,7 +4870,7 @@
     </p:spTree>
     <p:extLst>
       <p:ext uri="{BB962C8B-B14F-4D97-AF65-F5344CB8AC3E}">
-        <p14:creationId xmlns:p14="http://schemas.microsoft.com/office/powerpoint/2010/main" val="1509450581"/>
+        <p14:creationId xmlns:p14="http://schemas.microsoft.com/office/powerpoint/2010/main" val="818573371"/>
       </p:ext>
     </p:extLst>
   </p:cSld>
@@ -5159,7 +5029,7 @@
     </p:spTree>
     <p:extLst>
       <p:ext uri="{BB962C8B-B14F-4D97-AF65-F5344CB8AC3E}">
-        <p14:creationId xmlns:p14="http://schemas.microsoft.com/office/powerpoint/2010/main" val="4286900826"/>
+        <p14:creationId xmlns:p14="http://schemas.microsoft.com/office/powerpoint/2010/main" val="465079666"/>
       </p:ext>
     </p:extLst>
   </p:cSld>
@@ -5334,7 +5204,7 @@
     </p:spTree>
     <p:extLst>
       <p:ext uri="{BB962C8B-B14F-4D97-AF65-F5344CB8AC3E}">
-        <p14:creationId xmlns:p14="http://schemas.microsoft.com/office/powerpoint/2010/main" val="2602975121"/>
+        <p14:creationId xmlns:p14="http://schemas.microsoft.com/office/powerpoint/2010/main" val="2935377284"/>
       </p:ext>
     </p:extLst>
   </p:cSld>
@@ -5419,7 +5289,7 @@
         </p:nvSpPr>
         <p:spPr>
           <a:xfrm>
-            <a:off x="0" y="2570514"/>
+            <a:off x="0" y="2563587"/>
             <a:ext cx="9144000" cy="2579913"/>
           </a:xfrm>
           <a:prstGeom prst="rect">
@@ -5501,7 +5371,7 @@
           <p:cNvPr id="6" name="Picture 5" descr="Creditandfraudrisk_logo-RGB.eps">
             <a:extLst>
               <a:ext uri="{FF2B5EF4-FFF2-40B4-BE49-F238E27FC236}">
-                <a16:creationId xmlns:a16="http://schemas.microsoft.com/office/drawing/2014/main" id="{5081A89A-6C56-4E4F-BFD3-300D6FDB9053}"/>
+                <a16:creationId xmlns:a16="http://schemas.microsoft.com/office/drawing/2014/main" id="{659CA4A0-B3F2-4E82-A9DD-EB02390506F5}"/>
               </a:ext>
             </a:extLst>
           </p:cNvPr>
@@ -5534,7 +5404,7 @@
     </p:spTree>
     <p:extLst>
       <p:ext uri="{BB962C8B-B14F-4D97-AF65-F5344CB8AC3E}">
-        <p14:creationId xmlns:p14="http://schemas.microsoft.com/office/powerpoint/2010/main" val="592323595"/>
+        <p14:creationId xmlns:p14="http://schemas.microsoft.com/office/powerpoint/2010/main" val="3206828716"/>
       </p:ext>
     </p:extLst>
   </p:cSld>
@@ -5618,7 +5488,7 @@
           <p:cNvPr id="4" name="Picture 3" descr="Creditandfraudrisk_logo-RGB.eps">
             <a:extLst>
               <a:ext uri="{FF2B5EF4-FFF2-40B4-BE49-F238E27FC236}">
-                <a16:creationId xmlns:a16="http://schemas.microsoft.com/office/drawing/2014/main" id="{643562B9-B351-46FB-857F-D0B1D86C1613}"/>
+                <a16:creationId xmlns:a16="http://schemas.microsoft.com/office/drawing/2014/main" id="{F86A8ACC-4A68-4EC0-B9C7-47079FCDFDB3}"/>
               </a:ext>
             </a:extLst>
           </p:cNvPr>
@@ -5651,7 +5521,7 @@
     </p:spTree>
     <p:extLst>
       <p:ext uri="{BB962C8B-B14F-4D97-AF65-F5344CB8AC3E}">
-        <p14:creationId xmlns:p14="http://schemas.microsoft.com/office/powerpoint/2010/main" val="2616612655"/>
+        <p14:creationId xmlns:p14="http://schemas.microsoft.com/office/powerpoint/2010/main" val="486545354"/>
       </p:ext>
     </p:extLst>
   </p:cSld>
@@ -5757,7 +5627,7 @@
     </p:spTree>
     <p:extLst>
       <p:ext uri="{BB962C8B-B14F-4D97-AF65-F5344CB8AC3E}">
-        <p14:creationId xmlns:p14="http://schemas.microsoft.com/office/powerpoint/2010/main" val="742144047"/>
+        <p14:creationId xmlns:p14="http://schemas.microsoft.com/office/powerpoint/2010/main" val="3818701886"/>
       </p:ext>
     </p:extLst>
   </p:cSld>
@@ -5866,541 +5736,7 @@
     </p:spTree>
     <p:extLst>
       <p:ext uri="{BB962C8B-B14F-4D97-AF65-F5344CB8AC3E}">
-        <p14:creationId xmlns:p14="http://schemas.microsoft.com/office/powerpoint/2010/main" val="818573371"/>
-      </p:ext>
-    </p:extLst>
-  </p:cSld>
-  <p:clrMapOvr>
-    <a:masterClrMapping/>
-  </p:clrMapOvr>
-  <p:transition spd="slow"/>
-</p:sldLayout>
-</file>
-
-<file path=ppt/slideLayouts/slideLayout37.xml><?xml version="1.0" encoding="utf-8"?>
-<p:sldLayout xmlns:a="http://schemas.openxmlformats.org/drawingml/2006/main" xmlns:r="http://schemas.openxmlformats.org/officeDocument/2006/relationships" xmlns:p="http://schemas.openxmlformats.org/presentationml/2006/main" preserve="1" userDrawn="1">
-  <p:cSld name="Custom Layout">
-    <p:spTree>
-      <p:nvGrpSpPr>
-        <p:cNvPr id="1" name=""/>
-        <p:cNvGrpSpPr/>
-        <p:nvPr/>
-      </p:nvGrpSpPr>
-      <p:grpSpPr>
-        <a:xfrm>
-          <a:off x="0" y="0"/>
-          <a:ext cx="0" cy="0"/>
-          <a:chOff x="0" y="0"/>
-          <a:chExt cx="0" cy="0"/>
-        </a:xfrm>
-      </p:grpSpPr>
-      <p:sp>
-        <p:nvSpPr>
-          <p:cNvPr id="3" name="Slide Number Placeholder 2"/>
-          <p:cNvSpPr>
-            <a:spLocks noGrp="1"/>
-          </p:cNvSpPr>
-          <p:nvPr>
-            <p:ph type="sldNum" sz="quarter" idx="10"/>
-          </p:nvPr>
-        </p:nvSpPr>
-        <p:spPr>
-          <a:xfrm>
-            <a:off x="8391994" y="4924481"/>
-            <a:ext cx="789202" cy="225955"/>
-          </a:xfrm>
-          <a:prstGeom prst="rect">
-            <a:avLst/>
-          </a:prstGeom>
-        </p:spPr>
-        <p:txBody>
-          <a:bodyPr/>
-          <a:lstStyle/>
-          <a:p>
-            <a:pPr>
-              <a:defRPr/>
-            </a:pPr>
-            <a:fld id="{920384AA-0A71-E644-AEED-65CD2253F2C8}" type="slidenum">
-              <a:rPr lang="en-US" smtClean="0">
-                <a:solidFill>
-                  <a:srgbClr val="006AD2"/>
-                </a:solidFill>
-              </a:rPr>
-              <a:pPr>
-                <a:defRPr/>
-              </a:pPr>
-              <a:t>‹#›</a:t>
-            </a:fld>
-            <a:endParaRPr lang="en-US" dirty="0">
-              <a:solidFill>
-                <a:srgbClr val="006AD2"/>
-              </a:solidFill>
-            </a:endParaRPr>
-          </a:p>
-        </p:txBody>
-      </p:sp>
-      <p:sp>
-        <p:nvSpPr>
-          <p:cNvPr id="6" name="Title 1"/>
-          <p:cNvSpPr>
-            <a:spLocks noGrp="1"/>
-          </p:cNvSpPr>
-          <p:nvPr>
-            <p:ph type="title"/>
-          </p:nvPr>
-        </p:nvSpPr>
-        <p:spPr>
-          <a:xfrm>
-            <a:off x="387746" y="140582"/>
-            <a:ext cx="8229600" cy="747596"/>
-          </a:xfrm>
-        </p:spPr>
-        <p:txBody>
-          <a:bodyPr/>
-          <a:lstStyle/>
-          <a:p>
-            <a:r>
-              <a:rPr lang="en-US" dirty="0"/>
-              <a:t>Click to edit Master title style</a:t>
-            </a:r>
-          </a:p>
-        </p:txBody>
-      </p:sp>
-      <p:sp>
-        <p:nvSpPr>
-          <p:cNvPr id="7" name="Text Placeholder 4"/>
-          <p:cNvSpPr>
-            <a:spLocks noGrp="1"/>
-          </p:cNvSpPr>
-          <p:nvPr>
-            <p:ph type="body" sz="quarter" idx="11"/>
-          </p:nvPr>
-        </p:nvSpPr>
-        <p:spPr>
-          <a:xfrm>
-            <a:off x="387350" y="1145010"/>
-            <a:ext cx="6508750" cy="2487216"/>
-          </a:xfrm>
-        </p:spPr>
-        <p:txBody>
-          <a:bodyPr lIns="0" tIns="0" rIns="0" bIns="0"/>
-          <a:lstStyle/>
-          <a:p>
-            <a:pPr lvl="0"/>
-            <a:r>
-              <a:rPr lang="en-US"/>
-              <a:t>Click to edit Master text styles</a:t>
-            </a:r>
-          </a:p>
-          <a:p>
-            <a:pPr lvl="1"/>
-            <a:r>
-              <a:rPr lang="en-US"/>
-              <a:t>Second level</a:t>
-            </a:r>
-          </a:p>
-          <a:p>
-            <a:pPr lvl="2"/>
-            <a:r>
-              <a:rPr lang="en-US"/>
-              <a:t>Third level</a:t>
-            </a:r>
-          </a:p>
-          <a:p>
-            <a:pPr lvl="3"/>
-            <a:r>
-              <a:rPr lang="en-US"/>
-              <a:t>Fourth level</a:t>
-            </a:r>
-          </a:p>
-          <a:p>
-            <a:pPr lvl="4"/>
-            <a:r>
-              <a:rPr lang="en-US"/>
-              <a:t>Fifth level</a:t>
-            </a:r>
-          </a:p>
-        </p:txBody>
-      </p:sp>
-    </p:spTree>
-    <p:extLst>
-      <p:ext uri="{BB962C8B-B14F-4D97-AF65-F5344CB8AC3E}">
-        <p14:creationId xmlns:p14="http://schemas.microsoft.com/office/powerpoint/2010/main" val="465079666"/>
-      </p:ext>
-    </p:extLst>
-  </p:cSld>
-  <p:clrMapOvr>
-    <a:masterClrMapping/>
-  </p:clrMapOvr>
-  <p:transition spd="slow"/>
-</p:sldLayout>
-</file>
-
-<file path=ppt/slideLayouts/slideLayout38.xml><?xml version="1.0" encoding="utf-8"?>
-<p:sldLayout xmlns:a="http://schemas.openxmlformats.org/drawingml/2006/main" xmlns:r="http://schemas.openxmlformats.org/officeDocument/2006/relationships" xmlns:p="http://schemas.openxmlformats.org/presentationml/2006/main" preserve="1" userDrawn="1">
-  <p:cSld name="3_Custom Layout">
-    <p:bg>
-      <p:bgPr>
-        <a:solidFill>
-          <a:schemeClr val="bg1">
-            <a:lumMod val="95000"/>
-          </a:schemeClr>
-        </a:solidFill>
-        <a:effectLst/>
-      </p:bgPr>
-    </p:bg>
-    <p:spTree>
-      <p:nvGrpSpPr>
-        <p:cNvPr id="1" name=""/>
-        <p:cNvGrpSpPr/>
-        <p:nvPr/>
-      </p:nvGrpSpPr>
-      <p:grpSpPr>
-        <a:xfrm>
-          <a:off x="0" y="0"/>
-          <a:ext cx="0" cy="0"/>
-          <a:chOff x="0" y="0"/>
-          <a:chExt cx="0" cy="0"/>
-        </a:xfrm>
-      </p:grpSpPr>
-      <p:sp>
-        <p:nvSpPr>
-          <p:cNvPr id="2" name="Title 1"/>
-          <p:cNvSpPr>
-            <a:spLocks noGrp="1"/>
-          </p:cNvSpPr>
-          <p:nvPr>
-            <p:ph type="title"/>
-          </p:nvPr>
-        </p:nvSpPr>
-        <p:spPr>
-          <a:xfrm>
-            <a:off x="387746" y="397414"/>
-            <a:ext cx="8229600" cy="747596"/>
-          </a:xfrm>
-          <a:prstGeom prst="rect">
-            <a:avLst/>
-          </a:prstGeom>
-        </p:spPr>
-        <p:txBody>
-          <a:bodyPr/>
-          <a:lstStyle/>
-          <a:p>
-            <a:r>
-              <a:rPr lang="en-US"/>
-              <a:t>Click to edit Master title style</a:t>
-            </a:r>
-          </a:p>
-        </p:txBody>
-      </p:sp>
-      <p:sp>
-        <p:nvSpPr>
-          <p:cNvPr id="3" name="Slide Number Placeholder 2"/>
-          <p:cNvSpPr>
-            <a:spLocks noGrp="1"/>
-          </p:cNvSpPr>
-          <p:nvPr>
-            <p:ph type="sldNum" sz="quarter" idx="10"/>
-          </p:nvPr>
-        </p:nvSpPr>
-        <p:spPr>
-          <a:xfrm>
-            <a:off x="8006740" y="4794515"/>
-            <a:ext cx="789202" cy="225955"/>
-          </a:xfrm>
-          <a:prstGeom prst="rect">
-            <a:avLst/>
-          </a:prstGeom>
-        </p:spPr>
-        <p:txBody>
-          <a:bodyPr/>
-          <a:lstStyle/>
-          <a:p>
-            <a:pPr>
-              <a:defRPr/>
-            </a:pPr>
-            <a:fld id="{920384AA-0A71-E644-AEED-65CD2253F2C8}" type="slidenum">
-              <a:rPr lang="en-US" smtClean="0">
-                <a:solidFill>
-                  <a:srgbClr val="006AD2"/>
-                </a:solidFill>
-              </a:rPr>
-              <a:pPr>
-                <a:defRPr/>
-              </a:pPr>
-              <a:t>‹#›</a:t>
-            </a:fld>
-            <a:endParaRPr lang="en-US" dirty="0">
-              <a:solidFill>
-                <a:srgbClr val="006AD2"/>
-              </a:solidFill>
-            </a:endParaRPr>
-          </a:p>
-        </p:txBody>
-      </p:sp>
-      <p:sp>
-        <p:nvSpPr>
-          <p:cNvPr id="5" name="Text Placeholder 4"/>
-          <p:cNvSpPr>
-            <a:spLocks noGrp="1"/>
-          </p:cNvSpPr>
-          <p:nvPr>
-            <p:ph type="body" sz="quarter" idx="11"/>
-          </p:nvPr>
-        </p:nvSpPr>
-        <p:spPr>
-          <a:xfrm>
-            <a:off x="387350" y="1145010"/>
-            <a:ext cx="6508750" cy="2487216"/>
-          </a:xfrm>
-          <a:prstGeom prst="rect">
-            <a:avLst/>
-          </a:prstGeom>
-        </p:spPr>
-        <p:txBody>
-          <a:bodyPr lIns="0" tIns="0" rIns="0" bIns="0"/>
-          <a:lstStyle/>
-          <a:p>
-            <a:pPr lvl="0"/>
-            <a:r>
-              <a:rPr lang="en-US"/>
-              <a:t>Click to edit Master text styles</a:t>
-            </a:r>
-          </a:p>
-          <a:p>
-            <a:pPr lvl="1"/>
-            <a:r>
-              <a:rPr lang="en-US"/>
-              <a:t>Second level</a:t>
-            </a:r>
-          </a:p>
-          <a:p>
-            <a:pPr lvl="2"/>
-            <a:r>
-              <a:rPr lang="en-US"/>
-              <a:t>Third level</a:t>
-            </a:r>
-          </a:p>
-          <a:p>
-            <a:pPr lvl="3"/>
-            <a:r>
-              <a:rPr lang="en-US"/>
-              <a:t>Fourth level</a:t>
-            </a:r>
-          </a:p>
-          <a:p>
-            <a:pPr lvl="4"/>
-            <a:r>
-              <a:rPr lang="en-US"/>
-              <a:t>Fifth level</a:t>
-            </a:r>
-          </a:p>
-        </p:txBody>
-      </p:sp>
-    </p:spTree>
-    <p:extLst>
-      <p:ext uri="{BB962C8B-B14F-4D97-AF65-F5344CB8AC3E}">
-        <p14:creationId xmlns:p14="http://schemas.microsoft.com/office/powerpoint/2010/main" val="2935377284"/>
-      </p:ext>
-    </p:extLst>
-  </p:cSld>
-  <p:clrMapOvr>
-    <a:masterClrMapping/>
-  </p:clrMapOvr>
-  <p:transition spd="slow"/>
-</p:sldLayout>
-</file>
-
-<file path=ppt/slideLayouts/slideLayout39.xml><?xml version="1.0" encoding="utf-8"?>
-<p:sldLayout xmlns:a="http://schemas.openxmlformats.org/drawingml/2006/main" xmlns:r="http://schemas.openxmlformats.org/officeDocument/2006/relationships" xmlns:p="http://schemas.openxmlformats.org/presentationml/2006/main" showMasterSp="0" preserve="1" userDrawn="1">
-  <p:cSld name="Cover Slide">
-    <p:spTree>
-      <p:nvGrpSpPr>
-        <p:cNvPr id="1" name=""/>
-        <p:cNvGrpSpPr/>
-        <p:nvPr/>
-      </p:nvGrpSpPr>
-      <p:grpSpPr>
-        <a:xfrm>
-          <a:off x="0" y="0"/>
-          <a:ext cx="0" cy="0"/>
-          <a:chOff x="0" y="0"/>
-          <a:chExt cx="0" cy="0"/>
-        </a:xfrm>
-      </p:grpSpPr>
-      <p:sp>
-        <p:nvSpPr>
-          <p:cNvPr id="2" name="Title 1"/>
-          <p:cNvSpPr>
-            <a:spLocks noGrp="1"/>
-          </p:cNvSpPr>
-          <p:nvPr>
-            <p:ph type="ctrTitle"/>
-          </p:nvPr>
-        </p:nvSpPr>
-        <p:spPr bwMode="white">
-          <a:xfrm>
-            <a:off x="0" y="1"/>
-            <a:ext cx="9144000" cy="2563586"/>
-          </a:xfrm>
-          <a:prstGeom prst="rect">
-            <a:avLst/>
-          </a:prstGeom>
-          <a:effectLst/>
-        </p:spPr>
-        <p:txBody>
-          <a:bodyPr anchor="b">
-            <a:noAutofit/>
-          </a:bodyPr>
-          <a:lstStyle>
-            <a:lvl1pPr algn="ctr">
-              <a:defRPr sz="3500" b="0" i="0" cap="none">
-                <a:solidFill>
-                  <a:schemeClr val="tx2"/>
-                </a:solidFill>
-                <a:effectLst/>
-                <a:latin typeface="Guardian Egyp Regular" panose="02060503050503060803" pitchFamily="18" charset="77"/>
-                <a:ea typeface="Guardian Egyp Regular" panose="02060503050503060803" pitchFamily="18" charset="77"/>
-                <a:cs typeface="Guardian Egyp Regular" panose="02060503050503060803" pitchFamily="18" charset="77"/>
-              </a:defRPr>
-            </a:lvl1pPr>
-          </a:lstStyle>
-          <a:p>
-            <a:r>
-              <a:rPr lang="en-US" dirty="0"/>
-              <a:t>Click to edit Master title style</a:t>
-            </a:r>
-          </a:p>
-        </p:txBody>
-      </p:sp>
-      <p:sp>
-        <p:nvSpPr>
-          <p:cNvPr id="19" name="Text Placeholder 18"/>
-          <p:cNvSpPr>
-            <a:spLocks noGrp="1"/>
-          </p:cNvSpPr>
-          <p:nvPr>
-            <p:ph type="body" sz="quarter" idx="11"/>
-          </p:nvPr>
-        </p:nvSpPr>
-        <p:spPr>
-          <a:xfrm>
-            <a:off x="0" y="2563587"/>
-            <a:ext cx="9144000" cy="2579913"/>
-          </a:xfrm>
-          <a:prstGeom prst="rect">
-            <a:avLst/>
-          </a:prstGeom>
-          <a:effectLst>
-            <a:outerShdw blurRad="444500" sx="102000" sy="102000" algn="ctr" rotWithShape="0">
-              <a:prstClr val="black">
-                <a:alpha val="40000"/>
-              </a:prstClr>
-            </a:outerShdw>
-          </a:effectLst>
-        </p:spPr>
-        <p:txBody>
-          <a:bodyPr tIns="91440"/>
-          <a:lstStyle>
-            <a:lvl1pPr algn="ctr">
-              <a:defRPr sz="2000" b="0" i="0">
-                <a:solidFill>
-                  <a:schemeClr val="tx1"/>
-                </a:solidFill>
-                <a:latin typeface="BentonSans Light" charset="0"/>
-                <a:ea typeface="BentonSans Light" charset="0"/>
-                <a:cs typeface="BentonSans Light" charset="0"/>
-              </a:defRPr>
-            </a:lvl1pPr>
-            <a:lvl2pPr algn="r">
-              <a:defRPr b="1">
-                <a:solidFill>
-                  <a:schemeClr val="bg1"/>
-                </a:solidFill>
-                <a:latin typeface="BentonSans" charset="0"/>
-                <a:ea typeface="BentonSans" charset="0"/>
-                <a:cs typeface="BentonSans" charset="0"/>
-              </a:defRPr>
-            </a:lvl2pPr>
-            <a:lvl3pPr algn="r">
-              <a:defRPr b="1">
-                <a:solidFill>
-                  <a:schemeClr val="bg1"/>
-                </a:solidFill>
-                <a:latin typeface="BentonSans" charset="0"/>
-                <a:ea typeface="BentonSans" charset="0"/>
-                <a:cs typeface="BentonSans" charset="0"/>
-              </a:defRPr>
-            </a:lvl3pPr>
-            <a:lvl4pPr algn="r">
-              <a:defRPr b="1">
-                <a:solidFill>
-                  <a:schemeClr val="bg1"/>
-                </a:solidFill>
-                <a:latin typeface="BentonSans" charset="0"/>
-                <a:ea typeface="BentonSans" charset="0"/>
-                <a:cs typeface="BentonSans" charset="0"/>
-              </a:defRPr>
-            </a:lvl4pPr>
-            <a:lvl5pPr algn="r">
-              <a:defRPr b="1">
-                <a:solidFill>
-                  <a:schemeClr val="bg1"/>
-                </a:solidFill>
-                <a:latin typeface="BentonSans" charset="0"/>
-                <a:ea typeface="BentonSans" charset="0"/>
-                <a:cs typeface="BentonSans" charset="0"/>
-              </a:defRPr>
-            </a:lvl5pPr>
-          </a:lstStyle>
-          <a:p>
-            <a:pPr lvl="0"/>
-            <a:r>
-              <a:rPr lang="en-US"/>
-              <a:t>Click to edit Master text styles</a:t>
-            </a:r>
-          </a:p>
-        </p:txBody>
-      </p:sp>
-      <p:pic>
-        <p:nvPicPr>
-          <p:cNvPr id="6" name="Picture 5" descr="Creditandfraudrisk_logo-RGB.eps">
-            <a:extLst>
-              <a:ext uri="{FF2B5EF4-FFF2-40B4-BE49-F238E27FC236}">
-                <a16:creationId xmlns:a16="http://schemas.microsoft.com/office/drawing/2014/main" id="{659CA4A0-B3F2-4E82-A9DD-EB02390506F5}"/>
-              </a:ext>
-            </a:extLst>
-          </p:cNvPr>
-          <p:cNvPicPr>
-            <a:picLocks noChangeAspect="1"/>
-          </p:cNvPicPr>
-          <p:nvPr userDrawn="1"/>
-        </p:nvPicPr>
-        <p:blipFill rotWithShape="1">
-          <a:blip r:embed="rId2">
-            <a:extLst>
-              <a:ext uri="{28A0092B-C50C-407E-A947-70E740481C1C}">
-                <a14:useLocalDpi xmlns:a14="http://schemas.microsoft.com/office/drawing/2010/main" val="0"/>
-              </a:ext>
-            </a:extLst>
-          </a:blip>
-          <a:srcRect r="69296"/>
-          <a:stretch/>
-        </p:blipFill>
-        <p:spPr>
-          <a:xfrm>
-            <a:off x="8428268" y="4638834"/>
-            <a:ext cx="507913" cy="428875"/>
-          </a:xfrm>
-          <a:prstGeom prst="rect">
-            <a:avLst/>
-          </a:prstGeom>
-        </p:spPr>
-      </p:pic>
-    </p:spTree>
-    <p:extLst>
-      <p:ext uri="{BB962C8B-B14F-4D97-AF65-F5344CB8AC3E}">
-        <p14:creationId xmlns:p14="http://schemas.microsoft.com/office/powerpoint/2010/main" val="3206828716"/>
+        <p14:creationId xmlns:p14="http://schemas.microsoft.com/office/powerpoint/2010/main" val="2783476635"/>
       </p:ext>
     </p:extLst>
   </p:cSld>
@@ -6507,338 +5843,6 @@
         </p:spPr>
       </p:pic>
     </p:spTree>
-  </p:cSld>
-  <p:clrMapOvr>
-    <a:masterClrMapping/>
-  </p:clrMapOvr>
-  <p:transition spd="slow"/>
-</p:sldLayout>
-</file>
-
-<file path=ppt/slideLayouts/slideLayout40.xml><?xml version="1.0" encoding="utf-8"?>
-<p:sldLayout xmlns:a="http://schemas.openxmlformats.org/drawingml/2006/main" xmlns:r="http://schemas.openxmlformats.org/officeDocument/2006/relationships" xmlns:p="http://schemas.openxmlformats.org/presentationml/2006/main" showMasterSp="0" preserve="1">
-  <p:cSld name="1_Divider Slide">
-    <p:bg>
-      <p:bgPr>
-        <a:solidFill>
-          <a:schemeClr val="bg1"/>
-        </a:solidFill>
-        <a:effectLst/>
-      </p:bgPr>
-    </p:bg>
-    <p:spTree>
-      <p:nvGrpSpPr>
-        <p:cNvPr id="1" name=""/>
-        <p:cNvGrpSpPr/>
-        <p:nvPr/>
-      </p:nvGrpSpPr>
-      <p:grpSpPr>
-        <a:xfrm>
-          <a:off x="0" y="0"/>
-          <a:ext cx="0" cy="0"/>
-          <a:chOff x="0" y="0"/>
-          <a:chExt cx="0" cy="0"/>
-        </a:xfrm>
-      </p:grpSpPr>
-      <p:sp>
-        <p:nvSpPr>
-          <p:cNvPr id="2" name="Title 1"/>
-          <p:cNvSpPr>
-            <a:spLocks noGrp="1"/>
-          </p:cNvSpPr>
-          <p:nvPr>
-            <p:ph type="title"/>
-          </p:nvPr>
-        </p:nvSpPr>
-        <p:spPr bwMode="black">
-          <a:xfrm>
-            <a:off x="412749" y="1"/>
-            <a:ext cx="8318501" cy="5143500"/>
-          </a:xfrm>
-          <a:prstGeom prst="rect">
-            <a:avLst/>
-          </a:prstGeom>
-        </p:spPr>
-        <p:txBody>
-          <a:bodyPr anchor="ctr">
-            <a:noAutofit/>
-          </a:bodyPr>
-          <a:lstStyle>
-            <a:lvl1pPr algn="ctr">
-              <a:defRPr sz="3500" b="0" i="0" cap="none">
-                <a:solidFill>
-                  <a:schemeClr val="tx2"/>
-                </a:solidFill>
-                <a:latin typeface="Guardian Egyp Regular" panose="02060503050503060803" pitchFamily="18" charset="77"/>
-                <a:ea typeface="Guardian Egyp Regular" panose="02060503050503060803" pitchFamily="18" charset="77"/>
-                <a:cs typeface="Guardian Egyp Regular" panose="02060503050503060803" pitchFamily="18" charset="77"/>
-              </a:defRPr>
-            </a:lvl1pPr>
-          </a:lstStyle>
-          <a:p>
-            <a:r>
-              <a:rPr lang="en-US" dirty="0"/>
-              <a:t>Click to edit Master title style</a:t>
-            </a:r>
-          </a:p>
-        </p:txBody>
-      </p:sp>
-      <p:pic>
-        <p:nvPicPr>
-          <p:cNvPr id="4" name="Picture 3" descr="Creditandfraudrisk_logo-RGB.eps">
-            <a:extLst>
-              <a:ext uri="{FF2B5EF4-FFF2-40B4-BE49-F238E27FC236}">
-                <a16:creationId xmlns:a16="http://schemas.microsoft.com/office/drawing/2014/main" id="{F86A8ACC-4A68-4EC0-B9C7-47079FCDFDB3}"/>
-              </a:ext>
-            </a:extLst>
-          </p:cNvPr>
-          <p:cNvPicPr>
-            <a:picLocks noChangeAspect="1"/>
-          </p:cNvPicPr>
-          <p:nvPr userDrawn="1"/>
-        </p:nvPicPr>
-        <p:blipFill rotWithShape="1">
-          <a:blip r:embed="rId2">
-            <a:extLst>
-              <a:ext uri="{28A0092B-C50C-407E-A947-70E740481C1C}">
-                <a14:useLocalDpi xmlns:a14="http://schemas.microsoft.com/office/drawing/2010/main" val="0"/>
-              </a:ext>
-            </a:extLst>
-          </a:blip>
-          <a:srcRect r="69296"/>
-          <a:stretch/>
-        </p:blipFill>
-        <p:spPr>
-          <a:xfrm>
-            <a:off x="8428268" y="4638834"/>
-            <a:ext cx="507913" cy="428875"/>
-          </a:xfrm>
-          <a:prstGeom prst="rect">
-            <a:avLst/>
-          </a:prstGeom>
-        </p:spPr>
-      </p:pic>
-    </p:spTree>
-    <p:extLst>
-      <p:ext uri="{BB962C8B-B14F-4D97-AF65-F5344CB8AC3E}">
-        <p14:creationId xmlns:p14="http://schemas.microsoft.com/office/powerpoint/2010/main" val="486545354"/>
-      </p:ext>
-    </p:extLst>
-  </p:cSld>
-  <p:clrMapOvr>
-    <a:masterClrMapping/>
-  </p:clrMapOvr>
-  <p:transition spd="slow"/>
-</p:sldLayout>
-</file>
-
-<file path=ppt/slideLayouts/slideLayout41.xml><?xml version="1.0" encoding="utf-8"?>
-<p:sldLayout xmlns:a="http://schemas.openxmlformats.org/drawingml/2006/main" xmlns:r="http://schemas.openxmlformats.org/officeDocument/2006/relationships" xmlns:p="http://schemas.openxmlformats.org/presentationml/2006/main" showMasterSp="0" preserve="1">
-  <p:cSld name="3_Divider Slide">
-    <p:bg>
-      <p:bgPr>
-        <a:solidFill>
-          <a:schemeClr val="bg2"/>
-        </a:solidFill>
-        <a:effectLst/>
-      </p:bgPr>
-    </p:bg>
-    <p:spTree>
-      <p:nvGrpSpPr>
-        <p:cNvPr id="1" name=""/>
-        <p:cNvGrpSpPr/>
-        <p:nvPr/>
-      </p:nvGrpSpPr>
-      <p:grpSpPr>
-        <a:xfrm>
-          <a:off x="0" y="0"/>
-          <a:ext cx="0" cy="0"/>
-          <a:chOff x="0" y="0"/>
-          <a:chExt cx="0" cy="0"/>
-        </a:xfrm>
-      </p:grpSpPr>
-      <p:sp>
-        <p:nvSpPr>
-          <p:cNvPr id="2" name="Title 1"/>
-          <p:cNvSpPr>
-            <a:spLocks noGrp="1"/>
-          </p:cNvSpPr>
-          <p:nvPr>
-            <p:ph type="title"/>
-          </p:nvPr>
-        </p:nvSpPr>
-        <p:spPr bwMode="black">
-          <a:xfrm>
-            <a:off x="412749" y="1"/>
-            <a:ext cx="8318501" cy="5143500"/>
-          </a:xfrm>
-          <a:prstGeom prst="rect">
-            <a:avLst/>
-          </a:prstGeom>
-        </p:spPr>
-        <p:txBody>
-          <a:bodyPr anchor="ctr">
-            <a:noAutofit/>
-          </a:bodyPr>
-          <a:lstStyle>
-            <a:lvl1pPr algn="ctr">
-              <a:defRPr sz="3500" b="0" i="0" cap="none">
-                <a:solidFill>
-                  <a:schemeClr val="bg1"/>
-                </a:solidFill>
-                <a:latin typeface="Guardian Egyp Regular" panose="02060503050503060803" pitchFamily="18" charset="77"/>
-                <a:ea typeface="Guardian Egyp Regular" panose="02060503050503060803" pitchFamily="18" charset="77"/>
-                <a:cs typeface="Guardian Egyp Regular" panose="02060503050503060803" pitchFamily="18" charset="77"/>
-              </a:defRPr>
-            </a:lvl1pPr>
-          </a:lstStyle>
-          <a:p>
-            <a:r>
-              <a:rPr lang="en-US" dirty="0"/>
-              <a:t>Click to edit Master title style</a:t>
-            </a:r>
-          </a:p>
-        </p:txBody>
-      </p:sp>
-      <p:pic>
-        <p:nvPicPr>
-          <p:cNvPr id="5" name="Picture 4"/>
-          <p:cNvPicPr>
-            <a:picLocks noChangeAspect="1"/>
-          </p:cNvPicPr>
-          <p:nvPr userDrawn="1"/>
-        </p:nvPicPr>
-        <p:blipFill>
-          <a:blip r:embed="rId2"/>
-          <a:stretch>
-            <a:fillRect/>
-          </a:stretch>
-        </p:blipFill>
-        <p:spPr>
-          <a:xfrm>
-            <a:off x="8087426" y="4085409"/>
-            <a:ext cx="529920" cy="529920"/>
-          </a:xfrm>
-          <a:prstGeom prst="rect">
-            <a:avLst/>
-          </a:prstGeom>
-        </p:spPr>
-      </p:pic>
-    </p:spTree>
-    <p:extLst>
-      <p:ext uri="{BB962C8B-B14F-4D97-AF65-F5344CB8AC3E}">
-        <p14:creationId xmlns:p14="http://schemas.microsoft.com/office/powerpoint/2010/main" val="3818701886"/>
-      </p:ext>
-    </p:extLst>
-  </p:cSld>
-  <p:clrMapOvr>
-    <a:masterClrMapping/>
-  </p:clrMapOvr>
-  <p:transition spd="slow"/>
-</p:sldLayout>
-</file>
-
-<file path=ppt/slideLayouts/slideLayout42.xml><?xml version="1.0" encoding="utf-8"?>
-<p:sldLayout xmlns:a="http://schemas.openxmlformats.org/drawingml/2006/main" xmlns:r="http://schemas.openxmlformats.org/officeDocument/2006/relationships" xmlns:p="http://schemas.openxmlformats.org/presentationml/2006/main" showMasterSp="0" preserve="1">
-  <p:cSld name="4_Divider Slide">
-    <p:bg>
-      <p:bgPr>
-        <a:solidFill>
-          <a:schemeClr val="accent2">
-            <a:lumMod val="40000"/>
-            <a:lumOff val="60000"/>
-          </a:schemeClr>
-        </a:solidFill>
-        <a:effectLst/>
-      </p:bgPr>
-    </p:bg>
-    <p:spTree>
-      <p:nvGrpSpPr>
-        <p:cNvPr id="1" name=""/>
-        <p:cNvGrpSpPr/>
-        <p:nvPr/>
-      </p:nvGrpSpPr>
-      <p:grpSpPr>
-        <a:xfrm>
-          <a:off x="0" y="0"/>
-          <a:ext cx="0" cy="0"/>
-          <a:chOff x="0" y="0"/>
-          <a:chExt cx="0" cy="0"/>
-        </a:xfrm>
-      </p:grpSpPr>
-      <p:sp>
-        <p:nvSpPr>
-          <p:cNvPr id="2" name="Title 1"/>
-          <p:cNvSpPr>
-            <a:spLocks noGrp="1"/>
-          </p:cNvSpPr>
-          <p:nvPr>
-            <p:ph type="title"/>
-          </p:nvPr>
-        </p:nvSpPr>
-        <p:spPr bwMode="black">
-          <a:xfrm>
-            <a:off x="412749" y="1"/>
-            <a:ext cx="8318501" cy="5143500"/>
-          </a:xfrm>
-          <a:prstGeom prst="rect">
-            <a:avLst/>
-          </a:prstGeom>
-        </p:spPr>
-        <p:txBody>
-          <a:bodyPr anchor="ctr">
-            <a:noAutofit/>
-          </a:bodyPr>
-          <a:lstStyle>
-            <a:lvl1pPr algn="ctr">
-              <a:defRPr sz="3500" b="0" i="0" cap="none">
-                <a:solidFill>
-                  <a:schemeClr val="tx1"/>
-                </a:solidFill>
-                <a:latin typeface="Guardian Egyp Regular" panose="02060503050503060803" pitchFamily="18" charset="77"/>
-                <a:ea typeface="Guardian Egyp Regular" panose="02060503050503060803" pitchFamily="18" charset="77"/>
-                <a:cs typeface="Guardian Egyp Regular" panose="02060503050503060803" pitchFamily="18" charset="77"/>
-              </a:defRPr>
-            </a:lvl1pPr>
-          </a:lstStyle>
-          <a:p>
-            <a:r>
-              <a:rPr lang="en-US" dirty="0"/>
-              <a:t>Click to edit Master title style</a:t>
-            </a:r>
-          </a:p>
-        </p:txBody>
-      </p:sp>
-      <p:pic>
-        <p:nvPicPr>
-          <p:cNvPr id="4" name="Picture 3"/>
-          <p:cNvPicPr>
-            <a:picLocks noChangeAspect="1"/>
-          </p:cNvPicPr>
-          <p:nvPr userDrawn="1"/>
-        </p:nvPicPr>
-        <p:blipFill>
-          <a:blip r:embed="rId2"/>
-          <a:stretch>
-            <a:fillRect/>
-          </a:stretch>
-        </p:blipFill>
-        <p:spPr>
-          <a:xfrm>
-            <a:off x="8087426" y="4085409"/>
-            <a:ext cx="529920" cy="529920"/>
-          </a:xfrm>
-          <a:prstGeom prst="rect">
-            <a:avLst/>
-          </a:prstGeom>
-        </p:spPr>
-      </p:pic>
-    </p:spTree>
-    <p:extLst>
-      <p:ext uri="{BB962C8B-B14F-4D97-AF65-F5344CB8AC3E}">
-        <p14:creationId xmlns:p14="http://schemas.microsoft.com/office/powerpoint/2010/main" val="2783476635"/>
-      </p:ext>
-    </p:extLst>
   </p:cSld>
   <p:clrMapOvr>
     <a:masterClrMapping/>
@@ -7194,7 +6198,7 @@
     </p:spTree>
     <p:extLst>
       <p:ext uri="{BB962C8B-B14F-4D97-AF65-F5344CB8AC3E}">
-        <p14:creationId xmlns:p14="http://schemas.microsoft.com/office/powerpoint/2010/main" val="997535702"/>
+        <p14:creationId xmlns:p14="http://schemas.microsoft.com/office/powerpoint/2010/main" val="3862255390"/>
       </p:ext>
     </p:extLst>
   </p:cSld>
@@ -7369,7 +6373,7 @@
     </p:spTree>
     <p:extLst>
       <p:ext uri="{BB962C8B-B14F-4D97-AF65-F5344CB8AC3E}">
-        <p14:creationId xmlns:p14="http://schemas.microsoft.com/office/powerpoint/2010/main" val="3998979452"/>
+        <p14:creationId xmlns:p14="http://schemas.microsoft.com/office/powerpoint/2010/main" val="7134206"/>
       </p:ext>
     </p:extLst>
   </p:cSld>
@@ -7536,7 +6540,7 @@
           <p:cNvPr id="6" name="Picture 5" descr="Creditandfraudrisk_logo-RGB.eps">
             <a:extLst>
               <a:ext uri="{FF2B5EF4-FFF2-40B4-BE49-F238E27FC236}">
-                <a16:creationId xmlns:a16="http://schemas.microsoft.com/office/drawing/2014/main" id="{E0CB06A3-52FF-407F-A230-9EC8851B78D7}"/>
+                <a16:creationId xmlns:a16="http://schemas.microsoft.com/office/drawing/2014/main" id="{36F88208-84DC-4EF5-B655-94DB01BA47B0}"/>
               </a:ext>
             </a:extLst>
           </p:cNvPr>
@@ -7569,7 +6573,7 @@
     </p:spTree>
     <p:extLst>
       <p:ext uri="{BB962C8B-B14F-4D97-AF65-F5344CB8AC3E}">
-        <p14:creationId xmlns:p14="http://schemas.microsoft.com/office/powerpoint/2010/main" val="3632969137"/>
+        <p14:creationId xmlns:p14="http://schemas.microsoft.com/office/powerpoint/2010/main" val="1147806316"/>
       </p:ext>
     </p:extLst>
   </p:cSld>
@@ -8366,7 +7370,7 @@
           <p:cNvPr id="6" name="Picture 5" descr="Creditandfraudrisk_logo-RGB.eps">
             <a:extLst>
               <a:ext uri="{FF2B5EF4-FFF2-40B4-BE49-F238E27FC236}">
-                <a16:creationId xmlns:a16="http://schemas.microsoft.com/office/drawing/2014/main" id="{E120D21A-8F62-42F8-B18A-CFE93FA6EE0C}"/>
+                <a16:creationId xmlns:a16="http://schemas.microsoft.com/office/drawing/2014/main" id="{ECC4744A-C65B-4550-B2B2-55C73895B75E}"/>
               </a:ext>
             </a:extLst>
           </p:cNvPr>
@@ -8399,18 +7403,18 @@
     </p:spTree>
     <p:extLst>
       <p:ext uri="{BB962C8B-B14F-4D97-AF65-F5344CB8AC3E}">
-        <p14:creationId xmlns:p14="http://schemas.microsoft.com/office/powerpoint/2010/main" val="1279810886"/>
+        <p14:creationId xmlns:p14="http://schemas.microsoft.com/office/powerpoint/2010/main" val="2453657897"/>
       </p:ext>
     </p:extLst>
   </p:cSld>
   <p:clrMap bg1="lt1" tx1="dk1" bg2="lt2" tx2="dk2" accent1="accent1" accent2="accent2" accent3="accent3" accent4="accent4" accent5="accent5" accent6="accent6" hlink="hlink" folHlink="folHlink"/>
   <p:sldLayoutIdLst>
-    <p:sldLayoutId id="2147483768" r:id="rId1"/>
-    <p:sldLayoutId id="2147483769" r:id="rId2"/>
-    <p:sldLayoutId id="2147483770" r:id="rId3"/>
-    <p:sldLayoutId id="2147483771" r:id="rId4"/>
-    <p:sldLayoutId id="2147483772" r:id="rId5"/>
-    <p:sldLayoutId id="2147483773" r:id="rId6"/>
+    <p:sldLayoutId id="2147483775" r:id="rId1"/>
+    <p:sldLayoutId id="2147483776" r:id="rId2"/>
+    <p:sldLayoutId id="2147483777" r:id="rId3"/>
+    <p:sldLayoutId id="2147483778" r:id="rId4"/>
+    <p:sldLayoutId id="2147483779" r:id="rId5"/>
+    <p:sldLayoutId id="2147483780" r:id="rId6"/>
   </p:sldLayoutIdLst>
   <p:transition spd="slow"/>
   <p:hf hdr="0"/>
@@ -9028,7 +8032,7 @@
           <p:cNvPr id="6" name="Picture 5" descr="Creditandfraudrisk_logo-RGB.eps">
             <a:extLst>
               <a:ext uri="{FF2B5EF4-FFF2-40B4-BE49-F238E27FC236}">
-                <a16:creationId xmlns:a16="http://schemas.microsoft.com/office/drawing/2014/main" id="{ECC4744A-C65B-4550-B2B2-55C73895B75E}"/>
+                <a16:creationId xmlns:a16="http://schemas.microsoft.com/office/drawing/2014/main" id="{A4CC9A95-2EB8-4AD7-83F4-265B6AE85213}"/>
               </a:ext>
             </a:extLst>
           </p:cNvPr>
@@ -9061,18 +8065,18 @@
     </p:spTree>
     <p:extLst>
       <p:ext uri="{BB962C8B-B14F-4D97-AF65-F5344CB8AC3E}">
-        <p14:creationId xmlns:p14="http://schemas.microsoft.com/office/powerpoint/2010/main" val="2453657897"/>
+        <p14:creationId xmlns:p14="http://schemas.microsoft.com/office/powerpoint/2010/main" val="3515320275"/>
       </p:ext>
     </p:extLst>
   </p:cSld>
   <p:clrMap bg1="lt1" tx1="dk1" bg2="lt2" tx2="dk2" accent1="accent1" accent2="accent2" accent3="accent3" accent4="accent4" accent5="accent5" accent6="accent6" hlink="hlink" folHlink="folHlink"/>
   <p:sldLayoutIdLst>
-    <p:sldLayoutId id="2147483775" r:id="rId1"/>
-    <p:sldLayoutId id="2147483776" r:id="rId2"/>
-    <p:sldLayoutId id="2147483777" r:id="rId3"/>
-    <p:sldLayoutId id="2147483778" r:id="rId4"/>
-    <p:sldLayoutId id="2147483779" r:id="rId5"/>
-    <p:sldLayoutId id="2147483780" r:id="rId6"/>
+    <p:sldLayoutId id="2147483782" r:id="rId1"/>
+    <p:sldLayoutId id="2147483783" r:id="rId2"/>
+    <p:sldLayoutId id="2147483784" r:id="rId3"/>
+    <p:sldLayoutId id="2147483785" r:id="rId4"/>
+    <p:sldLayoutId id="2147483786" r:id="rId5"/>
+    <p:sldLayoutId id="2147483787" r:id="rId6"/>
   </p:sldLayoutIdLst>
   <p:transition spd="slow"/>
   <p:hf hdr="0"/>
@@ -9690,7 +8694,7 @@
           <p:cNvPr id="6" name="Picture 5" descr="Creditandfraudrisk_logo-RGB.eps">
             <a:extLst>
               <a:ext uri="{FF2B5EF4-FFF2-40B4-BE49-F238E27FC236}">
-                <a16:creationId xmlns:a16="http://schemas.microsoft.com/office/drawing/2014/main" id="{A4CC9A95-2EB8-4AD7-83F4-265B6AE85213}"/>
+                <a16:creationId xmlns:a16="http://schemas.microsoft.com/office/drawing/2014/main" id="{A635D8B7-6C79-4AD0-949C-4B2E009BCF2C}"/>
               </a:ext>
             </a:extLst>
           </p:cNvPr>
@@ -9723,18 +8727,18 @@
     </p:spTree>
     <p:extLst>
       <p:ext uri="{BB962C8B-B14F-4D97-AF65-F5344CB8AC3E}">
-        <p14:creationId xmlns:p14="http://schemas.microsoft.com/office/powerpoint/2010/main" val="3515320275"/>
+        <p14:creationId xmlns:p14="http://schemas.microsoft.com/office/powerpoint/2010/main" val="1278920358"/>
       </p:ext>
     </p:extLst>
   </p:cSld>
   <p:clrMap bg1="lt1" tx1="dk1" bg2="lt2" tx2="dk2" accent1="accent1" accent2="accent2" accent3="accent3" accent4="accent4" accent5="accent5" accent6="accent6" hlink="hlink" folHlink="folHlink"/>
   <p:sldLayoutIdLst>
-    <p:sldLayoutId id="2147483782" r:id="rId1"/>
-    <p:sldLayoutId id="2147483783" r:id="rId2"/>
-    <p:sldLayoutId id="2147483784" r:id="rId3"/>
-    <p:sldLayoutId id="2147483785" r:id="rId4"/>
-    <p:sldLayoutId id="2147483786" r:id="rId5"/>
-    <p:sldLayoutId id="2147483787" r:id="rId6"/>
+    <p:sldLayoutId id="2147483789" r:id="rId1"/>
+    <p:sldLayoutId id="2147483790" r:id="rId2"/>
+    <p:sldLayoutId id="2147483791" r:id="rId3"/>
+    <p:sldLayoutId id="2147483792" r:id="rId4"/>
+    <p:sldLayoutId id="2147483793" r:id="rId5"/>
+    <p:sldLayoutId id="2147483794" r:id="rId6"/>
   </p:sldLayoutIdLst>
   <p:transition spd="slow"/>
   <p:hf hdr="0"/>
@@ -10352,7 +9356,7 @@
           <p:cNvPr id="6" name="Picture 5" descr="Creditandfraudrisk_logo-RGB.eps">
             <a:extLst>
               <a:ext uri="{FF2B5EF4-FFF2-40B4-BE49-F238E27FC236}">
-                <a16:creationId xmlns:a16="http://schemas.microsoft.com/office/drawing/2014/main" id="{A635D8B7-6C79-4AD0-949C-4B2E009BCF2C}"/>
+                <a16:creationId xmlns:a16="http://schemas.microsoft.com/office/drawing/2014/main" id="{37375F4B-E0E2-4FCC-8C87-597AAC3DB0C2}"/>
               </a:ext>
             </a:extLst>
           </p:cNvPr>
@@ -10385,18 +9389,18 @@
     </p:spTree>
     <p:extLst>
       <p:ext uri="{BB962C8B-B14F-4D97-AF65-F5344CB8AC3E}">
-        <p14:creationId xmlns:p14="http://schemas.microsoft.com/office/powerpoint/2010/main" val="1278920358"/>
+        <p14:creationId xmlns:p14="http://schemas.microsoft.com/office/powerpoint/2010/main" val="860588857"/>
       </p:ext>
     </p:extLst>
   </p:cSld>
   <p:clrMap bg1="lt1" tx1="dk1" bg2="lt2" tx2="dk2" accent1="accent1" accent2="accent2" accent3="accent3" accent4="accent4" accent5="accent5" accent6="accent6" hlink="hlink" folHlink="folHlink"/>
   <p:sldLayoutIdLst>
-    <p:sldLayoutId id="2147483789" r:id="rId1"/>
-    <p:sldLayoutId id="2147483790" r:id="rId2"/>
-    <p:sldLayoutId id="2147483791" r:id="rId3"/>
-    <p:sldLayoutId id="2147483792" r:id="rId4"/>
-    <p:sldLayoutId id="2147483793" r:id="rId5"/>
-    <p:sldLayoutId id="2147483794" r:id="rId6"/>
+    <p:sldLayoutId id="2147483796" r:id="rId1"/>
+    <p:sldLayoutId id="2147483797" r:id="rId2"/>
+    <p:sldLayoutId id="2147483798" r:id="rId3"/>
+    <p:sldLayoutId id="2147483799" r:id="rId4"/>
+    <p:sldLayoutId id="2147483800" r:id="rId5"/>
+    <p:sldLayoutId id="2147483801" r:id="rId6"/>
   </p:sldLayoutIdLst>
   <p:transition spd="slow"/>
   <p:hf hdr="0"/>
@@ -11014,668 +10018,6 @@
           <p:cNvPr id="6" name="Picture 5" descr="Creditandfraudrisk_logo-RGB.eps">
             <a:extLst>
               <a:ext uri="{FF2B5EF4-FFF2-40B4-BE49-F238E27FC236}">
-                <a16:creationId xmlns:a16="http://schemas.microsoft.com/office/drawing/2014/main" id="{37375F4B-E0E2-4FCC-8C87-597AAC3DB0C2}"/>
-              </a:ext>
-            </a:extLst>
-          </p:cNvPr>
-          <p:cNvPicPr>
-            <a:picLocks noChangeAspect="1"/>
-          </p:cNvPicPr>
-          <p:nvPr userDrawn="1"/>
-        </p:nvPicPr>
-        <p:blipFill rotWithShape="1">
-          <a:blip r:embed="rId8">
-            <a:extLst>
-              <a:ext uri="{28A0092B-C50C-407E-A947-70E740481C1C}">
-                <a14:useLocalDpi xmlns:a14="http://schemas.microsoft.com/office/drawing/2010/main" val="0"/>
-              </a:ext>
-            </a:extLst>
-          </a:blip>
-          <a:srcRect r="69296"/>
-          <a:stretch/>
-        </p:blipFill>
-        <p:spPr>
-          <a:xfrm>
-            <a:off x="8428268" y="4638834"/>
-            <a:ext cx="507913" cy="428875"/>
-          </a:xfrm>
-          <a:prstGeom prst="rect">
-            <a:avLst/>
-          </a:prstGeom>
-        </p:spPr>
-      </p:pic>
-    </p:spTree>
-    <p:extLst>
-      <p:ext uri="{BB962C8B-B14F-4D97-AF65-F5344CB8AC3E}">
-        <p14:creationId xmlns:p14="http://schemas.microsoft.com/office/powerpoint/2010/main" val="860588857"/>
-      </p:ext>
-    </p:extLst>
-  </p:cSld>
-  <p:clrMap bg1="lt1" tx1="dk1" bg2="lt2" tx2="dk2" accent1="accent1" accent2="accent2" accent3="accent3" accent4="accent4" accent5="accent5" accent6="accent6" hlink="hlink" folHlink="folHlink"/>
-  <p:sldLayoutIdLst>
-    <p:sldLayoutId id="2147483796" r:id="rId1"/>
-    <p:sldLayoutId id="2147483797" r:id="rId2"/>
-    <p:sldLayoutId id="2147483798" r:id="rId3"/>
-    <p:sldLayoutId id="2147483799" r:id="rId4"/>
-    <p:sldLayoutId id="2147483800" r:id="rId5"/>
-    <p:sldLayoutId id="2147483801" r:id="rId6"/>
-  </p:sldLayoutIdLst>
-  <p:transition spd="slow"/>
-  <p:hf hdr="0"/>
-  <p:txStyles>
-    <p:titleStyle>
-      <a:lvl1pPr algn="l" defTabSz="457189" rtl="0" eaLnBrk="1" fontAlgn="base" hangingPunct="1">
-        <a:lnSpc>
-          <a:spcPct val="82000"/>
-        </a:lnSpc>
-        <a:spcBef>
-          <a:spcPct val="0"/>
-        </a:spcBef>
-        <a:spcAft>
-          <a:spcPct val="0"/>
-        </a:spcAft>
-        <a:defRPr sz="2400" b="0" i="0" kern="1200" cap="none" baseline="0">
-          <a:solidFill>
-            <a:schemeClr val="tx2"/>
-          </a:solidFill>
-          <a:latin typeface="Guardian Egyp Regular" panose="02060503050503060803" pitchFamily="18" charset="77"/>
-          <a:ea typeface="Guardian Egyp Regular" panose="02060503050503060803" pitchFamily="18" charset="77"/>
-          <a:cs typeface="Guardian Egyp Regular" panose="02060503050503060803" pitchFamily="18" charset="77"/>
-        </a:defRPr>
-      </a:lvl1pPr>
-      <a:lvl2pPr algn="l" defTabSz="457189" rtl="0" eaLnBrk="1" fontAlgn="base" hangingPunct="1">
-        <a:spcBef>
-          <a:spcPct val="0"/>
-        </a:spcBef>
-        <a:spcAft>
-          <a:spcPct val="0"/>
-        </a:spcAft>
-        <a:defRPr sz="1400">
-          <a:solidFill>
-            <a:schemeClr val="tx1"/>
-          </a:solidFill>
-          <a:latin typeface="Arial" charset="0"/>
-          <a:ea typeface="Arial" charset="0"/>
-          <a:cs typeface="Arial" charset="0"/>
-        </a:defRPr>
-      </a:lvl2pPr>
-      <a:lvl3pPr algn="l" defTabSz="457189" rtl="0" eaLnBrk="1" fontAlgn="base" hangingPunct="1">
-        <a:spcBef>
-          <a:spcPct val="0"/>
-        </a:spcBef>
-        <a:spcAft>
-          <a:spcPct val="0"/>
-        </a:spcAft>
-        <a:defRPr sz="1400">
-          <a:solidFill>
-            <a:schemeClr val="tx1"/>
-          </a:solidFill>
-          <a:latin typeface="Arial" charset="0"/>
-          <a:ea typeface="Arial" charset="0"/>
-          <a:cs typeface="Arial" charset="0"/>
-        </a:defRPr>
-      </a:lvl3pPr>
-      <a:lvl4pPr algn="l" defTabSz="457189" rtl="0" eaLnBrk="1" fontAlgn="base" hangingPunct="1">
-        <a:spcBef>
-          <a:spcPct val="0"/>
-        </a:spcBef>
-        <a:spcAft>
-          <a:spcPct val="0"/>
-        </a:spcAft>
-        <a:defRPr sz="1400">
-          <a:solidFill>
-            <a:schemeClr val="tx1"/>
-          </a:solidFill>
-          <a:latin typeface="Arial" charset="0"/>
-          <a:ea typeface="Arial" charset="0"/>
-          <a:cs typeface="Arial" charset="0"/>
-        </a:defRPr>
-      </a:lvl4pPr>
-      <a:lvl5pPr algn="l" defTabSz="457189" rtl="0" eaLnBrk="1" fontAlgn="base" hangingPunct="1">
-        <a:spcBef>
-          <a:spcPct val="0"/>
-        </a:spcBef>
-        <a:spcAft>
-          <a:spcPct val="0"/>
-        </a:spcAft>
-        <a:defRPr sz="1400">
-          <a:solidFill>
-            <a:schemeClr val="tx1"/>
-          </a:solidFill>
-          <a:latin typeface="Arial" charset="0"/>
-          <a:ea typeface="Arial" charset="0"/>
-          <a:cs typeface="Arial" charset="0"/>
-        </a:defRPr>
-      </a:lvl5pPr>
-      <a:lvl6pPr marL="457189" algn="l" defTabSz="457189" rtl="0" eaLnBrk="1" fontAlgn="base" hangingPunct="1">
-        <a:spcBef>
-          <a:spcPct val="0"/>
-        </a:spcBef>
-        <a:spcAft>
-          <a:spcPct val="0"/>
-        </a:spcAft>
-        <a:defRPr sz="1400">
-          <a:solidFill>
-            <a:schemeClr val="tx1"/>
-          </a:solidFill>
-          <a:latin typeface="Arial" charset="0"/>
-          <a:ea typeface="Arial" charset="0"/>
-          <a:cs typeface="Arial" charset="0"/>
-        </a:defRPr>
-      </a:lvl6pPr>
-      <a:lvl7pPr marL="914377" algn="l" defTabSz="457189" rtl="0" eaLnBrk="1" fontAlgn="base" hangingPunct="1">
-        <a:spcBef>
-          <a:spcPct val="0"/>
-        </a:spcBef>
-        <a:spcAft>
-          <a:spcPct val="0"/>
-        </a:spcAft>
-        <a:defRPr sz="1400">
-          <a:solidFill>
-            <a:schemeClr val="tx1"/>
-          </a:solidFill>
-          <a:latin typeface="Arial" charset="0"/>
-          <a:ea typeface="Arial" charset="0"/>
-          <a:cs typeface="Arial" charset="0"/>
-        </a:defRPr>
-      </a:lvl7pPr>
-      <a:lvl8pPr marL="1371566" algn="l" defTabSz="457189" rtl="0" eaLnBrk="1" fontAlgn="base" hangingPunct="1">
-        <a:spcBef>
-          <a:spcPct val="0"/>
-        </a:spcBef>
-        <a:spcAft>
-          <a:spcPct val="0"/>
-        </a:spcAft>
-        <a:defRPr sz="1400">
-          <a:solidFill>
-            <a:schemeClr val="tx1"/>
-          </a:solidFill>
-          <a:latin typeface="Arial" charset="0"/>
-          <a:ea typeface="Arial" charset="0"/>
-          <a:cs typeface="Arial" charset="0"/>
-        </a:defRPr>
-      </a:lvl8pPr>
-      <a:lvl9pPr marL="1828754" algn="l" defTabSz="457189" rtl="0" eaLnBrk="1" fontAlgn="base" hangingPunct="1">
-        <a:spcBef>
-          <a:spcPct val="0"/>
-        </a:spcBef>
-        <a:spcAft>
-          <a:spcPct val="0"/>
-        </a:spcAft>
-        <a:defRPr sz="1400">
-          <a:solidFill>
-            <a:schemeClr val="tx1"/>
-          </a:solidFill>
-          <a:latin typeface="Arial" charset="0"/>
-          <a:ea typeface="Arial" charset="0"/>
-          <a:cs typeface="Arial" charset="0"/>
-        </a:defRPr>
-      </a:lvl9pPr>
-    </p:titleStyle>
-    <p:bodyStyle>
-      <a:lvl1pPr marL="342891" indent="-342891" algn="l" defTabSz="457189" rtl="0" eaLnBrk="1" fontAlgn="base" hangingPunct="1">
-        <a:lnSpc>
-          <a:spcPct val="100000"/>
-        </a:lnSpc>
-        <a:spcBef>
-          <a:spcPts val="0"/>
-        </a:spcBef>
-        <a:spcAft>
-          <a:spcPts val="0"/>
-        </a:spcAft>
-        <a:buFont typeface="Arial" charset="0"/>
-        <a:buNone/>
-        <a:defRPr sz="1600" b="0" i="0" kern="1200">
-          <a:solidFill>
-            <a:schemeClr val="tx1"/>
-          </a:solidFill>
-          <a:latin typeface="BentonSans Light" charset="0"/>
-          <a:ea typeface="BentonSans Light" charset="0"/>
-          <a:cs typeface="BentonSans Light" charset="0"/>
-        </a:defRPr>
-      </a:lvl1pPr>
-      <a:lvl2pPr marL="0" indent="0" algn="l" defTabSz="457189" rtl="0" eaLnBrk="1" fontAlgn="base" hangingPunct="1">
-        <a:lnSpc>
-          <a:spcPct val="100000"/>
-        </a:lnSpc>
-        <a:spcBef>
-          <a:spcPts val="0"/>
-        </a:spcBef>
-        <a:spcAft>
-          <a:spcPts val="0"/>
-        </a:spcAft>
-        <a:buFont typeface="Arial" charset="0"/>
-        <a:buNone/>
-        <a:tabLst/>
-        <a:defRPr sz="1600" b="0" i="0" kern="1200">
-          <a:solidFill>
-            <a:schemeClr val="accent2">
-              <a:lumMod val="75000"/>
-            </a:schemeClr>
-          </a:solidFill>
-          <a:latin typeface="BentonSans Light" charset="0"/>
-          <a:ea typeface="BentonSans Light" charset="0"/>
-          <a:cs typeface="BentonSans Light" charset="0"/>
-        </a:defRPr>
-      </a:lvl2pPr>
-      <a:lvl3pPr marL="744520" indent="-288918" algn="l" defTabSz="457189" rtl="0" eaLnBrk="1" fontAlgn="base" hangingPunct="1">
-        <a:lnSpc>
-          <a:spcPct val="100000"/>
-        </a:lnSpc>
-        <a:spcBef>
-          <a:spcPts val="0"/>
-        </a:spcBef>
-        <a:spcAft>
-          <a:spcPts val="0"/>
-        </a:spcAft>
-        <a:buFont typeface="Arial" pitchFamily="34" charset="0"/>
-        <a:buChar char="–"/>
-        <a:defRPr sz="1600" b="0" i="0" kern="1200">
-          <a:solidFill>
-            <a:schemeClr val="accent2">
-              <a:lumMod val="75000"/>
-            </a:schemeClr>
-          </a:solidFill>
-          <a:latin typeface="BentonSans Light" charset="0"/>
-          <a:ea typeface="BentonSans Light" charset="0"/>
-          <a:cs typeface="BentonSans Light" charset="0"/>
-        </a:defRPr>
-      </a:lvl3pPr>
-      <a:lvl4pPr marL="1149322" indent="-228594" algn="l" defTabSz="457189" rtl="0" eaLnBrk="1" fontAlgn="base" hangingPunct="1">
-        <a:lnSpc>
-          <a:spcPct val="100000"/>
-        </a:lnSpc>
-        <a:spcBef>
-          <a:spcPts val="0"/>
-        </a:spcBef>
-        <a:spcAft>
-          <a:spcPts val="0"/>
-        </a:spcAft>
-        <a:buFont typeface="Arial"/>
-        <a:buChar char="•"/>
-        <a:defRPr sz="1600" b="0" i="0" kern="1200">
-          <a:solidFill>
-            <a:schemeClr val="accent2">
-              <a:lumMod val="75000"/>
-            </a:schemeClr>
-          </a:solidFill>
-          <a:latin typeface="BentonSans Light" charset="0"/>
-          <a:ea typeface="BentonSans Light" charset="0"/>
-          <a:cs typeface="BentonSans Light" charset="0"/>
-        </a:defRPr>
-      </a:lvl4pPr>
-      <a:lvl5pPr marL="1596985" indent="-225420" algn="l" defTabSz="457189" rtl="0" eaLnBrk="1" fontAlgn="base" hangingPunct="1">
-        <a:lnSpc>
-          <a:spcPct val="100000"/>
-        </a:lnSpc>
-        <a:spcBef>
-          <a:spcPts val="0"/>
-        </a:spcBef>
-        <a:spcAft>
-          <a:spcPts val="0"/>
-        </a:spcAft>
-        <a:buFont typeface="Arial"/>
-        <a:buChar char="−"/>
-        <a:defRPr sz="1600" b="0" i="0" kern="1200">
-          <a:solidFill>
-            <a:schemeClr val="accent2">
-              <a:lumMod val="75000"/>
-            </a:schemeClr>
-          </a:solidFill>
-          <a:latin typeface="BentonSans Light" charset="0"/>
-          <a:ea typeface="BentonSans Light" charset="0"/>
-          <a:cs typeface="BentonSans Light" charset="0"/>
-        </a:defRPr>
-      </a:lvl5pPr>
-      <a:lvl6pPr marL="2514537" indent="-228594" algn="l" defTabSz="457189" rtl="0" eaLnBrk="1" latinLnBrk="0" hangingPunct="1">
-        <a:spcBef>
-          <a:spcPct val="20000"/>
-        </a:spcBef>
-        <a:buFont typeface="Arial"/>
-        <a:buChar char="•"/>
-        <a:defRPr sz="2000" kern="1200">
-          <a:solidFill>
-            <a:schemeClr val="tx1"/>
-          </a:solidFill>
-          <a:latin typeface="+mn-lt"/>
-          <a:ea typeface="+mn-ea"/>
-          <a:cs typeface="+mn-cs"/>
-        </a:defRPr>
-      </a:lvl6pPr>
-      <a:lvl7pPr marL="2971726" indent="-228594" algn="l" defTabSz="457189" rtl="0" eaLnBrk="1" latinLnBrk="0" hangingPunct="1">
-        <a:spcBef>
-          <a:spcPct val="20000"/>
-        </a:spcBef>
-        <a:buFont typeface="Arial"/>
-        <a:buChar char="•"/>
-        <a:defRPr sz="2000" kern="1200">
-          <a:solidFill>
-            <a:schemeClr val="tx1"/>
-          </a:solidFill>
-          <a:latin typeface="+mn-lt"/>
-          <a:ea typeface="+mn-ea"/>
-          <a:cs typeface="+mn-cs"/>
-        </a:defRPr>
-      </a:lvl7pPr>
-      <a:lvl8pPr marL="3428914" indent="-228594" algn="l" defTabSz="457189" rtl="0" eaLnBrk="1" latinLnBrk="0" hangingPunct="1">
-        <a:spcBef>
-          <a:spcPct val="20000"/>
-        </a:spcBef>
-        <a:buFont typeface="Arial"/>
-        <a:buChar char="•"/>
-        <a:defRPr sz="2000" kern="1200">
-          <a:solidFill>
-            <a:schemeClr val="tx1"/>
-          </a:solidFill>
-          <a:latin typeface="+mn-lt"/>
-          <a:ea typeface="+mn-ea"/>
-          <a:cs typeface="+mn-cs"/>
-        </a:defRPr>
-      </a:lvl8pPr>
-      <a:lvl9pPr marL="3886103" indent="-228594" algn="l" defTabSz="457189" rtl="0" eaLnBrk="1" latinLnBrk="0" hangingPunct="1">
-        <a:spcBef>
-          <a:spcPct val="20000"/>
-        </a:spcBef>
-        <a:buFont typeface="Arial"/>
-        <a:buChar char="•"/>
-        <a:defRPr sz="2000" kern="1200">
-          <a:solidFill>
-            <a:schemeClr val="tx1"/>
-          </a:solidFill>
-          <a:latin typeface="+mn-lt"/>
-          <a:ea typeface="+mn-ea"/>
-          <a:cs typeface="+mn-cs"/>
-        </a:defRPr>
-      </a:lvl9pPr>
-    </p:bodyStyle>
-    <p:otherStyle>
-      <a:defPPr>
-        <a:defRPr lang="en-US"/>
-      </a:defPPr>
-      <a:lvl1pPr marL="0" algn="l" defTabSz="457189" rtl="0" eaLnBrk="1" latinLnBrk="0" hangingPunct="1">
-        <a:defRPr sz="1800" kern="1200">
-          <a:solidFill>
-            <a:schemeClr val="tx1"/>
-          </a:solidFill>
-          <a:latin typeface="+mn-lt"/>
-          <a:ea typeface="+mn-ea"/>
-          <a:cs typeface="+mn-cs"/>
-        </a:defRPr>
-      </a:lvl1pPr>
-      <a:lvl2pPr marL="457189" algn="l" defTabSz="457189" rtl="0" eaLnBrk="1" latinLnBrk="0" hangingPunct="1">
-        <a:defRPr sz="1800" kern="1200">
-          <a:solidFill>
-            <a:schemeClr val="tx1"/>
-          </a:solidFill>
-          <a:latin typeface="+mn-lt"/>
-          <a:ea typeface="+mn-ea"/>
-          <a:cs typeface="+mn-cs"/>
-        </a:defRPr>
-      </a:lvl2pPr>
-      <a:lvl3pPr marL="914377" algn="l" defTabSz="457189" rtl="0" eaLnBrk="1" latinLnBrk="0" hangingPunct="1">
-        <a:defRPr sz="1800" kern="1200">
-          <a:solidFill>
-            <a:schemeClr val="tx1"/>
-          </a:solidFill>
-          <a:latin typeface="+mn-lt"/>
-          <a:ea typeface="+mn-ea"/>
-          <a:cs typeface="+mn-cs"/>
-        </a:defRPr>
-      </a:lvl3pPr>
-      <a:lvl4pPr marL="1371566" algn="l" defTabSz="457189" rtl="0" eaLnBrk="1" latinLnBrk="0" hangingPunct="1">
-        <a:defRPr sz="1800" kern="1200">
-          <a:solidFill>
-            <a:schemeClr val="tx1"/>
-          </a:solidFill>
-          <a:latin typeface="+mn-lt"/>
-          <a:ea typeface="+mn-ea"/>
-          <a:cs typeface="+mn-cs"/>
-        </a:defRPr>
-      </a:lvl4pPr>
-      <a:lvl5pPr marL="1828754" algn="l" defTabSz="457189" rtl="0" eaLnBrk="1" latinLnBrk="0" hangingPunct="1">
-        <a:defRPr sz="1800" kern="1200">
-          <a:solidFill>
-            <a:schemeClr val="tx1"/>
-          </a:solidFill>
-          <a:latin typeface="+mn-lt"/>
-          <a:ea typeface="+mn-ea"/>
-          <a:cs typeface="+mn-cs"/>
-        </a:defRPr>
-      </a:lvl5pPr>
-      <a:lvl6pPr marL="2285943" algn="l" defTabSz="457189" rtl="0" eaLnBrk="1" latinLnBrk="0" hangingPunct="1">
-        <a:defRPr sz="1800" kern="1200">
-          <a:solidFill>
-            <a:schemeClr val="tx1"/>
-          </a:solidFill>
-          <a:latin typeface="+mn-lt"/>
-          <a:ea typeface="+mn-ea"/>
-          <a:cs typeface="+mn-cs"/>
-        </a:defRPr>
-      </a:lvl6pPr>
-      <a:lvl7pPr marL="2743131" algn="l" defTabSz="457189" rtl="0" eaLnBrk="1" latinLnBrk="0" hangingPunct="1">
-        <a:defRPr sz="1800" kern="1200">
-          <a:solidFill>
-            <a:schemeClr val="tx1"/>
-          </a:solidFill>
-          <a:latin typeface="+mn-lt"/>
-          <a:ea typeface="+mn-ea"/>
-          <a:cs typeface="+mn-cs"/>
-        </a:defRPr>
-      </a:lvl7pPr>
-      <a:lvl8pPr marL="3200320" algn="l" defTabSz="457189" rtl="0" eaLnBrk="1" latinLnBrk="0" hangingPunct="1">
-        <a:defRPr sz="1800" kern="1200">
-          <a:solidFill>
-            <a:schemeClr val="tx1"/>
-          </a:solidFill>
-          <a:latin typeface="+mn-lt"/>
-          <a:ea typeface="+mn-ea"/>
-          <a:cs typeface="+mn-cs"/>
-        </a:defRPr>
-      </a:lvl8pPr>
-      <a:lvl9pPr marL="3657509" algn="l" defTabSz="457189" rtl="0" eaLnBrk="1" latinLnBrk="0" hangingPunct="1">
-        <a:defRPr sz="1800" kern="1200">
-          <a:solidFill>
-            <a:schemeClr val="tx1"/>
-          </a:solidFill>
-          <a:latin typeface="+mn-lt"/>
-          <a:ea typeface="+mn-ea"/>
-          <a:cs typeface="+mn-cs"/>
-        </a:defRPr>
-      </a:lvl9pPr>
-    </p:otherStyle>
-  </p:txStyles>
-</p:sldMaster>
-</file>
-
-<file path=ppt/slideMasters/slideMaster7.xml><?xml version="1.0" encoding="utf-8"?>
-<p:sldMaster xmlns:a="http://schemas.openxmlformats.org/drawingml/2006/main" xmlns:r="http://schemas.openxmlformats.org/officeDocument/2006/relationships" xmlns:p="http://schemas.openxmlformats.org/presentationml/2006/main">
-  <p:cSld>
-    <p:bg>
-      <p:bgRef idx="1001">
-        <a:schemeClr val="bg1"/>
-      </p:bgRef>
-    </p:bg>
-    <p:spTree>
-      <p:nvGrpSpPr>
-        <p:cNvPr id="1" name=""/>
-        <p:cNvGrpSpPr/>
-        <p:nvPr/>
-      </p:nvGrpSpPr>
-      <p:grpSpPr>
-        <a:xfrm>
-          <a:off x="0" y="0"/>
-          <a:ext cx="0" cy="0"/>
-          <a:chOff x="0" y="0"/>
-          <a:chExt cx="0" cy="0"/>
-        </a:xfrm>
-      </p:grpSpPr>
-      <p:sp>
-        <p:nvSpPr>
-          <p:cNvPr id="7" name="Title Placeholder 1"/>
-          <p:cNvSpPr>
-            <a:spLocks noGrp="1"/>
-          </p:cNvSpPr>
-          <p:nvPr>
-            <p:ph type="title"/>
-          </p:nvPr>
-        </p:nvSpPr>
-        <p:spPr bwMode="white">
-          <a:xfrm>
-            <a:off x="387746" y="130658"/>
-            <a:ext cx="8229600" cy="747596"/>
-          </a:xfrm>
-          <a:prstGeom prst="rect">
-            <a:avLst/>
-          </a:prstGeom>
-        </p:spPr>
-        <p:txBody>
-          <a:bodyPr vert="horz" lIns="0" tIns="0" rIns="0" bIns="0" rtlCol="0" anchor="t">
-            <a:noAutofit/>
-          </a:bodyPr>
-          <a:lstStyle/>
-          <a:p>
-            <a:r>
-              <a:rPr lang="en-US" dirty="0"/>
-              <a:t>Click to edit Master title style</a:t>
-            </a:r>
-          </a:p>
-        </p:txBody>
-      </p:sp>
-      <p:sp>
-        <p:nvSpPr>
-          <p:cNvPr id="8" name="Text Placeholder 2"/>
-          <p:cNvSpPr>
-            <a:spLocks noGrp="1"/>
-          </p:cNvSpPr>
-          <p:nvPr>
-            <p:ph type="body" idx="1"/>
-          </p:nvPr>
-        </p:nvSpPr>
-        <p:spPr bwMode="gray">
-          <a:xfrm>
-            <a:off x="387746" y="1145010"/>
-            <a:ext cx="8229600" cy="3663617"/>
-          </a:xfrm>
-          <a:prstGeom prst="rect">
-            <a:avLst/>
-          </a:prstGeom>
-          <a:noFill/>
-          <a:ln w="9525">
-            <a:noFill/>
-            <a:miter lim="800000"/>
-            <a:headEnd/>
-            <a:tailEnd/>
-          </a:ln>
-        </p:spPr>
-        <p:txBody>
-          <a:bodyPr vert="horz" wrap="square" lIns="0" tIns="0" rIns="0" bIns="0" numCol="1" anchor="t" anchorCtr="0" compatLnSpc="1">
-            <a:prstTxWarp prst="textNoShape">
-              <a:avLst/>
-            </a:prstTxWarp>
-          </a:bodyPr>
-          <a:lstStyle/>
-          <a:p>
-            <a:pPr lvl="0"/>
-            <a:r>
-              <a:rPr lang="en-US" dirty="0"/>
-              <a:t>CLICK TO EDIT MASTER TEXT STYLES</a:t>
-            </a:r>
-          </a:p>
-          <a:p>
-            <a:pPr lvl="1"/>
-            <a:r>
-              <a:rPr lang="en-US" dirty="0"/>
-              <a:t>Second level</a:t>
-            </a:r>
-          </a:p>
-          <a:p>
-            <a:pPr lvl="2"/>
-            <a:r>
-              <a:rPr lang="en-US" dirty="0"/>
-              <a:t>Third level</a:t>
-            </a:r>
-          </a:p>
-          <a:p>
-            <a:pPr lvl="3"/>
-            <a:r>
-              <a:rPr lang="en-US" dirty="0"/>
-              <a:t>Fourth level</a:t>
-            </a:r>
-          </a:p>
-          <a:p>
-            <a:pPr lvl="4"/>
-            <a:r>
-              <a:rPr lang="en-US" dirty="0"/>
-              <a:t>Fifth level</a:t>
-            </a:r>
-          </a:p>
-        </p:txBody>
-      </p:sp>
-      <p:sp>
-        <p:nvSpPr>
-          <p:cNvPr id="10" name="Slide Number Placeholder 5"/>
-          <p:cNvSpPr>
-            <a:spLocks noGrp="1"/>
-          </p:cNvSpPr>
-          <p:nvPr>
-            <p:ph type="sldNum" sz="quarter" idx="4"/>
-          </p:nvPr>
-        </p:nvSpPr>
-        <p:spPr bwMode="gray">
-          <a:xfrm>
-            <a:off x="8345453" y="4917545"/>
-            <a:ext cx="789202" cy="225955"/>
-          </a:xfrm>
-          <a:prstGeom prst="rect">
-            <a:avLst/>
-          </a:prstGeom>
-        </p:spPr>
-        <p:txBody>
-          <a:bodyPr vert="horz" wrap="square" lIns="91440" tIns="45720" rIns="91440" bIns="45720" numCol="1" anchor="ctr" anchorCtr="0" compatLnSpc="1">
-            <a:prstTxWarp prst="textNoShape">
-              <a:avLst/>
-            </a:prstTxWarp>
-          </a:bodyPr>
-          <a:lstStyle>
-            <a:lvl1pPr algn="r">
-              <a:defRPr sz="1000">
-                <a:solidFill>
-                  <a:schemeClr val="tx2"/>
-                </a:solidFill>
-                <a:latin typeface="Guardian Egyp" charset="0"/>
-                <a:ea typeface="Guardian Egyp" charset="0"/>
-                <a:cs typeface="Guardian Egyp" charset="0"/>
-              </a:defRPr>
-            </a:lvl1pPr>
-          </a:lstStyle>
-          <a:p>
-            <a:pPr>
-              <a:defRPr/>
-            </a:pPr>
-            <a:fld id="{920384AA-0A71-E644-AEED-65CD2253F2C8}" type="slidenum">
-              <a:rPr lang="en-US" smtClean="0">
-                <a:solidFill>
-                  <a:srgbClr val="006AD2"/>
-                </a:solidFill>
-              </a:rPr>
-              <a:pPr>
-                <a:defRPr/>
-              </a:pPr>
-              <a:t>‹#›</a:t>
-            </a:fld>
-            <a:endParaRPr lang="en-US" dirty="0">
-              <a:solidFill>
-                <a:srgbClr val="006AD2"/>
-              </a:solidFill>
-            </a:endParaRPr>
-          </a:p>
-        </p:txBody>
-      </p:sp>
-      <p:pic>
-        <p:nvPicPr>
-          <p:cNvPr id="6" name="Picture 5" descr="Creditandfraudrisk_logo-RGB.eps">
-            <a:extLst>
-              <a:ext uri="{FF2B5EF4-FFF2-40B4-BE49-F238E27FC236}">
                 <a16:creationId xmlns:a16="http://schemas.microsoft.com/office/drawing/2014/main" id="{1A0B52FE-6A80-42C0-9861-2BD12A7903E1}"/>
               </a:ext>
             </a:extLst>
@@ -12272,425 +10614,6 @@
       </p:grpSpPr>
       <p:sp>
         <p:nvSpPr>
-          <p:cNvPr id="8" name="Title 1"/>
-          <p:cNvSpPr>
-            <a:spLocks noGrp="1"/>
-          </p:cNvSpPr>
-          <p:nvPr>
-            <p:ph type="title"/>
-          </p:nvPr>
-        </p:nvSpPr>
-        <p:spPr>
-          <a:xfrm>
-            <a:off x="387746" y="151214"/>
-            <a:ext cx="8229600" cy="747596"/>
-          </a:xfrm>
-        </p:spPr>
-        <p:txBody>
-          <a:bodyPr/>
-          <a:lstStyle/>
-          <a:p>
-            <a:r>
-              <a:rPr lang="en-US" dirty="0"/>
-              <a:t>Team Details</a:t>
-            </a:r>
-          </a:p>
-        </p:txBody>
-      </p:sp>
-      <p:cxnSp>
-        <p:nvCxnSpPr>
-          <p:cNvPr id="48" name="Straight Connector 47"/>
-          <p:cNvCxnSpPr/>
-          <p:nvPr/>
-        </p:nvCxnSpPr>
-        <p:spPr>
-          <a:xfrm>
-            <a:off x="0" y="653898"/>
-            <a:ext cx="9144000" cy="0"/>
-          </a:xfrm>
-          <a:prstGeom prst="line">
-            <a:avLst/>
-          </a:prstGeom>
-          <a:effectLst/>
-        </p:spPr>
-        <p:style>
-          <a:lnRef idx="2">
-            <a:schemeClr val="accent1"/>
-          </a:lnRef>
-          <a:fillRef idx="0">
-            <a:schemeClr val="accent1"/>
-          </a:fillRef>
-          <a:effectRef idx="1">
-            <a:schemeClr val="accent1"/>
-          </a:effectRef>
-          <a:fontRef idx="minor">
-            <a:schemeClr val="tx1"/>
-          </a:fontRef>
-        </p:style>
-      </p:cxnSp>
-      <p:graphicFrame>
-        <p:nvGraphicFramePr>
-          <p:cNvPr id="49" name="Chart Placeholder 4"/>
-          <p:cNvGraphicFramePr>
-            <a:graphicFrameLocks/>
-          </p:cNvGraphicFramePr>
-          <p:nvPr>
-            <p:extLst>
-              <p:ext uri="{D42A27DB-BD31-4B8C-83A1-F6EECF244321}">
-                <p14:modId xmlns:p14="http://schemas.microsoft.com/office/powerpoint/2010/main" val="2908209436"/>
-              </p:ext>
-            </p:extLst>
-          </p:nvPr>
-        </p:nvGraphicFramePr>
-        <p:xfrm>
-          <a:off x="584424" y="2530475"/>
-          <a:ext cx="8229600" cy="1381760"/>
-        </p:xfrm>
-        <a:graphic>
-          <a:graphicData uri="http://schemas.openxmlformats.org/drawingml/2006/table">
-            <a:tbl>
-              <a:tblPr firstRow="1" bandRow="1">
-                <a:tableStyleId>{073A0DAA-6AF3-43AB-8588-CEC1D06C72B9}</a:tableStyleId>
-              </a:tblPr>
-              <a:tblGrid>
-                <a:gridCol w="1645920">
-                  <a:extLst>
-                    <a:ext uri="{9D8B030D-6E8A-4147-A177-3AD203B41FA5}">
-                      <a16:colId xmlns:a16="http://schemas.microsoft.com/office/drawing/2014/main" val="20000"/>
-                    </a:ext>
-                  </a:extLst>
-                </a:gridCol>
-                <a:gridCol w="1645920">
-                  <a:extLst>
-                    <a:ext uri="{9D8B030D-6E8A-4147-A177-3AD203B41FA5}">
-                      <a16:colId xmlns:a16="http://schemas.microsoft.com/office/drawing/2014/main" val="20001"/>
-                    </a:ext>
-                  </a:extLst>
-                </a:gridCol>
-                <a:gridCol w="1645920">
-                  <a:extLst>
-                    <a:ext uri="{9D8B030D-6E8A-4147-A177-3AD203B41FA5}">
-                      <a16:colId xmlns:a16="http://schemas.microsoft.com/office/drawing/2014/main" val="20002"/>
-                    </a:ext>
-                  </a:extLst>
-                </a:gridCol>
-                <a:gridCol w="1645920">
-                  <a:extLst>
-                    <a:ext uri="{9D8B030D-6E8A-4147-A177-3AD203B41FA5}">
-                      <a16:colId xmlns:a16="http://schemas.microsoft.com/office/drawing/2014/main" val="20003"/>
-                    </a:ext>
-                  </a:extLst>
-                </a:gridCol>
-                <a:gridCol w="1645920">
-                  <a:extLst>
-                    <a:ext uri="{9D8B030D-6E8A-4147-A177-3AD203B41FA5}">
-                      <a16:colId xmlns:a16="http://schemas.microsoft.com/office/drawing/2014/main" val="20004"/>
-                    </a:ext>
-                  </a:extLst>
-                </a:gridCol>
-              </a:tblGrid>
-              <a:tr h="370840">
-                <a:tc>
-                  <a:txBody>
-                    <a:bodyPr/>
-                    <a:lstStyle/>
-                    <a:p>
-                      <a:r>
-                        <a:rPr lang="en-US" dirty="0"/>
-                        <a:t>Name </a:t>
-                      </a:r>
-                    </a:p>
-                  </a:txBody>
-                  <a:tcPr/>
-                </a:tc>
-                <a:tc>
-                  <a:txBody>
-                    <a:bodyPr/>
-                    <a:lstStyle/>
-                    <a:p>
-                      <a:r>
-                        <a:rPr lang="en-US" dirty="0"/>
-                        <a:t>Campus</a:t>
-                      </a:r>
-                    </a:p>
-                  </a:txBody>
-                  <a:tcPr/>
-                </a:tc>
-                <a:tc>
-                  <a:txBody>
-                    <a:bodyPr/>
-                    <a:lstStyle/>
-                    <a:p>
-                      <a:r>
-                        <a:rPr lang="en-US" dirty="0"/>
-                        <a:t>Roll No.</a:t>
-                      </a:r>
-                    </a:p>
-                  </a:txBody>
-                  <a:tcPr/>
-                </a:tc>
-                <a:tc>
-                  <a:txBody>
-                    <a:bodyPr/>
-                    <a:lstStyle/>
-                    <a:p>
-                      <a:r>
-                        <a:rPr lang="en-US" dirty="0"/>
-                        <a:t>Mobile No. </a:t>
-                      </a:r>
-                    </a:p>
-                  </a:txBody>
-                  <a:tcPr/>
-                </a:tc>
-                <a:tc>
-                  <a:txBody>
-                    <a:bodyPr/>
-                    <a:lstStyle/>
-                    <a:p>
-                      <a:r>
-                        <a:rPr lang="en-US" dirty="0"/>
-                        <a:t>Email</a:t>
-                      </a:r>
-                      <a:r>
-                        <a:rPr lang="en-US" baseline="0" dirty="0"/>
-                        <a:t> Id</a:t>
-                      </a:r>
-                      <a:endParaRPr lang="en-US" dirty="0"/>
-                    </a:p>
-                  </a:txBody>
-                  <a:tcPr/>
-                </a:tc>
-                <a:extLst>
-                  <a:ext uri="{0D108BD9-81ED-4DB2-BD59-A6C34878D82A}">
-                    <a16:rowId xmlns:a16="http://schemas.microsoft.com/office/drawing/2014/main" val="10000"/>
-                  </a:ext>
-                </a:extLst>
-              </a:tr>
-              <a:tr h="370840">
-                <a:tc>
-                  <a:txBody>
-                    <a:bodyPr/>
-                    <a:lstStyle/>
-                    <a:p>
-                      <a:r>
-                        <a:rPr lang="en-US" dirty="0"/>
-                        <a:t>Kumar </a:t>
-                      </a:r>
-                      <a:r>
-                        <a:rPr lang="en-US" dirty="0" err="1"/>
-                        <a:t>Shivam</a:t>
-                      </a:r>
-                      <a:endParaRPr lang="en-US" dirty="0"/>
-                    </a:p>
-                  </a:txBody>
-                  <a:tcPr/>
-                </a:tc>
-                <a:tc>
-                  <a:txBody>
-                    <a:bodyPr/>
-                    <a:lstStyle/>
-                    <a:p>
-                      <a:r>
-                        <a:rPr lang="en-US" dirty="0"/>
-                        <a:t>IIT Kanpur</a:t>
-                      </a:r>
-                    </a:p>
-                  </a:txBody>
-                  <a:tcPr/>
-                </a:tc>
-                <a:tc>
-                  <a:txBody>
-                    <a:bodyPr/>
-                    <a:lstStyle/>
-                    <a:p>
-                      <a:r>
-                        <a:rPr lang="en-US" dirty="0"/>
-                        <a:t>170354</a:t>
-                      </a:r>
-                    </a:p>
-                  </a:txBody>
-                  <a:tcPr/>
-                </a:tc>
-                <a:tc>
-                  <a:txBody>
-                    <a:bodyPr/>
-                    <a:lstStyle/>
-                    <a:p>
-                      <a:r>
-                        <a:rPr lang="en-US" dirty="0"/>
-                        <a:t>8789735441</a:t>
-                      </a:r>
-                    </a:p>
-                  </a:txBody>
-                  <a:tcPr/>
-                </a:tc>
-                <a:tc>
-                  <a:txBody>
-                    <a:bodyPr/>
-                    <a:lstStyle/>
-                    <a:p>
-                      <a:r>
-                        <a:rPr lang="en-US" dirty="0">
-                          <a:hlinkClick r:id="rId3"/>
-                        </a:rPr>
-                        <a:t>shivamks@iitk.ac.in</a:t>
-                      </a:r>
-                      <a:endParaRPr lang="en-US" dirty="0"/>
-                    </a:p>
-                  </a:txBody>
-                  <a:tcPr/>
-                </a:tc>
-                <a:extLst>
-                  <a:ext uri="{0D108BD9-81ED-4DB2-BD59-A6C34878D82A}">
-                    <a16:rowId xmlns:a16="http://schemas.microsoft.com/office/drawing/2014/main" val="10001"/>
-                  </a:ext>
-                </a:extLst>
-              </a:tr>
-              <a:tr h="370840">
-                <a:tc>
-                  <a:txBody>
-                    <a:bodyPr/>
-                    <a:lstStyle/>
-                    <a:p>
-                      <a:endParaRPr lang="en-US" dirty="0"/>
-                    </a:p>
-                  </a:txBody>
-                  <a:tcPr/>
-                </a:tc>
-                <a:tc>
-                  <a:txBody>
-                    <a:bodyPr/>
-                    <a:lstStyle/>
-                    <a:p>
-                      <a:pPr marL="0" marR="0" indent="0" algn="l" defTabSz="457200" rtl="0" eaLnBrk="1" fontAlgn="auto" latinLnBrk="0" hangingPunct="1">
-                        <a:lnSpc>
-                          <a:spcPct val="100000"/>
-                        </a:lnSpc>
-                        <a:spcBef>
-                          <a:spcPts val="0"/>
-                        </a:spcBef>
-                        <a:spcAft>
-                          <a:spcPts val="0"/>
-                        </a:spcAft>
-                        <a:buClrTx/>
-                        <a:buSzTx/>
-                        <a:buFontTx/>
-                        <a:buNone/>
-                        <a:tabLst/>
-                        <a:defRPr/>
-                      </a:pPr>
-                      <a:endParaRPr lang="en-US" dirty="0"/>
-                    </a:p>
-                  </a:txBody>
-                  <a:tcPr/>
-                </a:tc>
-                <a:tc>
-                  <a:txBody>
-                    <a:bodyPr/>
-                    <a:lstStyle/>
-                    <a:p>
-                      <a:endParaRPr lang="en-US" dirty="0"/>
-                    </a:p>
-                  </a:txBody>
-                  <a:tcPr/>
-                </a:tc>
-                <a:tc>
-                  <a:txBody>
-                    <a:bodyPr/>
-                    <a:lstStyle/>
-                    <a:p>
-                      <a:endParaRPr lang="en-US" dirty="0"/>
-                    </a:p>
-                  </a:txBody>
-                  <a:tcPr/>
-                </a:tc>
-                <a:tc>
-                  <a:txBody>
-                    <a:bodyPr/>
-                    <a:lstStyle/>
-                    <a:p>
-                      <a:endParaRPr lang="en-US" dirty="0"/>
-                    </a:p>
-                  </a:txBody>
-                  <a:tcPr/>
-                </a:tc>
-                <a:extLst>
-                  <a:ext uri="{0D108BD9-81ED-4DB2-BD59-A6C34878D82A}">
-                    <a16:rowId xmlns:a16="http://schemas.microsoft.com/office/drawing/2014/main" val="10002"/>
-                  </a:ext>
-                </a:extLst>
-              </a:tr>
-            </a:tbl>
-          </a:graphicData>
-        </a:graphic>
-      </p:graphicFrame>
-      <p:sp>
-        <p:nvSpPr>
-          <p:cNvPr id="50" name="TextBox 49"/>
-          <p:cNvSpPr txBox="1"/>
-          <p:nvPr/>
-        </p:nvSpPr>
-        <p:spPr>
-          <a:xfrm>
-            <a:off x="600070" y="1285890"/>
-            <a:ext cx="3614738" cy="461665"/>
-          </a:xfrm>
-          <a:prstGeom prst="rect">
-            <a:avLst/>
-          </a:prstGeom>
-          <a:noFill/>
-        </p:spPr>
-        <p:txBody>
-          <a:bodyPr wrap="square" rtlCol="0">
-            <a:spAutoFit/>
-          </a:bodyPr>
-          <a:lstStyle/>
-          <a:p>
-            <a:r>
-              <a:rPr lang="en-US" sz="2400" b="1" u="sng" dirty="0"/>
-              <a:t>Team Name</a:t>
-            </a:r>
-            <a:r>
-              <a:rPr lang="en-US" sz="2400" b="1" dirty="0"/>
-              <a:t> :Wind</a:t>
-            </a:r>
-            <a:endParaRPr lang="en-US" sz="2400" b="1" u="sng" dirty="0"/>
-          </a:p>
-        </p:txBody>
-      </p:sp>
-    </p:spTree>
-    <p:extLst>
-      <p:ext uri="{BB962C8B-B14F-4D97-AF65-F5344CB8AC3E}">
-        <p14:creationId xmlns:p14="http://schemas.microsoft.com/office/powerpoint/2010/main" val="2817332250"/>
-      </p:ext>
-    </p:extLst>
-  </p:cSld>
-  <p:clrMapOvr>
-    <a:masterClrMapping/>
-  </p:clrMapOvr>
-  <p:transition spd="slow"/>
-</p:sld>
-</file>
-
-<file path=ppt/slides/slide3.xml><?xml version="1.0" encoding="utf-8"?>
-<p:sld xmlns:a="http://schemas.openxmlformats.org/drawingml/2006/main" xmlns:r="http://schemas.openxmlformats.org/officeDocument/2006/relationships" xmlns:p="http://schemas.openxmlformats.org/presentationml/2006/main">
-  <p:cSld>
-    <p:spTree>
-      <p:nvGrpSpPr>
-        <p:cNvPr id="1" name=""/>
-        <p:cNvGrpSpPr/>
-        <p:nvPr/>
-      </p:nvGrpSpPr>
-      <p:grpSpPr>
-        <a:xfrm>
-          <a:off x="0" y="0"/>
-          <a:ext cx="0" cy="0"/>
-          <a:chOff x="0" y="0"/>
-          <a:chExt cx="0" cy="0"/>
-        </a:xfrm>
-      </p:grpSpPr>
-      <p:sp>
-        <p:nvSpPr>
           <p:cNvPr id="47" name="Title 1"/>
           <p:cNvSpPr>
             <a:spLocks noGrp="1"/>
@@ -12828,6 +10751,401 @@
     <p:extLst>
       <p:ext uri="{BB962C8B-B14F-4D97-AF65-F5344CB8AC3E}">
         <p14:creationId xmlns:p14="http://schemas.microsoft.com/office/powerpoint/2010/main" val="1112774396"/>
+      </p:ext>
+    </p:extLst>
+  </p:cSld>
+  <p:clrMapOvr>
+    <a:masterClrMapping/>
+  </p:clrMapOvr>
+  <p:transition spd="slow"/>
+</p:sld>
+</file>
+
+<file path=ppt/slides/slide3.xml><?xml version="1.0" encoding="utf-8"?>
+<p:sld xmlns:a="http://schemas.openxmlformats.org/drawingml/2006/main" xmlns:r="http://schemas.openxmlformats.org/officeDocument/2006/relationships" xmlns:p="http://schemas.openxmlformats.org/presentationml/2006/main">
+  <p:cSld>
+    <p:spTree>
+      <p:nvGrpSpPr>
+        <p:cNvPr id="1" name=""/>
+        <p:cNvGrpSpPr/>
+        <p:nvPr/>
+      </p:nvGrpSpPr>
+      <p:grpSpPr>
+        <a:xfrm>
+          <a:off x="0" y="0"/>
+          <a:ext cx="0" cy="0"/>
+          <a:chOff x="0" y="0"/>
+          <a:chExt cx="0" cy="0"/>
+        </a:xfrm>
+      </p:grpSpPr>
+      <p:sp>
+        <p:nvSpPr>
+          <p:cNvPr id="43" name="Title 1"/>
+          <p:cNvSpPr>
+            <a:spLocks noGrp="1"/>
+          </p:cNvSpPr>
+          <p:nvPr>
+            <p:ph type="title"/>
+          </p:nvPr>
+        </p:nvSpPr>
+        <p:spPr>
+          <a:xfrm>
+            <a:off x="387746" y="151214"/>
+            <a:ext cx="8229600" cy="747596"/>
+          </a:xfrm>
+        </p:spPr>
+        <p:txBody>
+          <a:bodyPr/>
+          <a:lstStyle/>
+          <a:p>
+            <a:r>
+              <a:rPr lang="en-US" dirty="0"/>
+              <a:t>Strategy to decide final list</a:t>
+            </a:r>
+          </a:p>
+        </p:txBody>
+      </p:sp>
+      <p:cxnSp>
+        <p:nvCxnSpPr>
+          <p:cNvPr id="7" name="Straight Connector 6"/>
+          <p:cNvCxnSpPr/>
+          <p:nvPr/>
+        </p:nvCxnSpPr>
+        <p:spPr>
+          <a:xfrm>
+            <a:off x="0" y="653898"/>
+            <a:ext cx="9144000" cy="0"/>
+          </a:xfrm>
+          <a:prstGeom prst="line">
+            <a:avLst/>
+          </a:prstGeom>
+          <a:effectLst/>
+        </p:spPr>
+        <p:style>
+          <a:lnRef idx="2">
+            <a:schemeClr val="accent1"/>
+          </a:lnRef>
+          <a:fillRef idx="0">
+            <a:schemeClr val="accent1"/>
+          </a:fillRef>
+          <a:effectRef idx="1">
+            <a:schemeClr val="accent1"/>
+          </a:effectRef>
+          <a:fontRef idx="minor">
+            <a:schemeClr val="tx1"/>
+          </a:fontRef>
+        </p:style>
+      </p:cxnSp>
+      <p:sp>
+        <p:nvSpPr>
+          <p:cNvPr id="8" name="TextBox 7"/>
+          <p:cNvSpPr txBox="1"/>
+          <p:nvPr/>
+        </p:nvSpPr>
+        <p:spPr>
+          <a:xfrm>
+            <a:off x="197298" y="752490"/>
+            <a:ext cx="8805187" cy="3600986"/>
+          </a:xfrm>
+          <a:prstGeom prst="rect">
+            <a:avLst/>
+          </a:prstGeom>
+          <a:noFill/>
+        </p:spPr>
+        <p:txBody>
+          <a:bodyPr wrap="square" rtlCol="0">
+            <a:spAutoFit/>
+          </a:bodyPr>
+          <a:lstStyle/>
+          <a:p>
+            <a:r>
+              <a:rPr lang="en-US" sz="2400" b="1" dirty="0">
+                <a:latin typeface="Calibri" pitchFamily="34" charset="0"/>
+                <a:cs typeface="Calibri" pitchFamily="34" charset="0"/>
+              </a:rPr>
+              <a:t>Please provide the strategy employed to decide the final list for submission</a:t>
+            </a:r>
+            <a:endParaRPr lang="en-US" dirty="0">
+              <a:latin typeface="Calibri" pitchFamily="34" charset="0"/>
+              <a:cs typeface="Calibri" pitchFamily="34" charset="0"/>
+            </a:endParaRPr>
+          </a:p>
+          <a:p>
+            <a:pPr marL="171450" indent="-171450">
+              <a:buFont typeface="Arial" panose="020B0604020202020204" pitchFamily="34" charset="0"/>
+              <a:buChar char="•"/>
+            </a:pPr>
+            <a:r>
+              <a:rPr lang="en-US" sz="1200" dirty="0">
+                <a:latin typeface="Calibri" pitchFamily="34" charset="0"/>
+                <a:cs typeface="Calibri" pitchFamily="34" charset="0"/>
+              </a:rPr>
+              <a:t>The strategy mainly was centered around the feature selection and filling of nan-values. </a:t>
+            </a:r>
+          </a:p>
+          <a:p>
+            <a:pPr marL="171450" indent="-171450">
+              <a:buFont typeface="Arial" panose="020B0604020202020204" pitchFamily="34" charset="0"/>
+              <a:buChar char="•"/>
+            </a:pPr>
+            <a:r>
+              <a:rPr lang="en-US" sz="1200" dirty="0">
+                <a:latin typeface="Calibri" pitchFamily="34" charset="0"/>
+                <a:cs typeface="Calibri" pitchFamily="34" charset="0"/>
+              </a:rPr>
+              <a:t>For categorical data, missing values were filled as unknown in case of columns </a:t>
+            </a:r>
+            <a:r>
+              <a:rPr lang="en-US" sz="1200" kern="1200" dirty="0">
+                <a:solidFill>
+                  <a:srgbClr val="002663"/>
+                </a:solidFill>
+                <a:effectLst/>
+                <a:latin typeface="Calibri" panose="020F0502020204030204" pitchFamily="34" charset="0"/>
+                <a:ea typeface="+mn-ea"/>
+                <a:cs typeface="Calibri" panose="020F0502020204030204" pitchFamily="34" charset="0"/>
+              </a:rPr>
+              <a:t>['acq_sub_</a:t>
+            </a:r>
+            <a:r>
+              <a:rPr lang="en-US" sz="1200" kern="1200" dirty="0" err="1">
+                <a:solidFill>
+                  <a:srgbClr val="002663"/>
+                </a:solidFill>
+                <a:effectLst/>
+                <a:latin typeface="Calibri" panose="020F0502020204030204" pitchFamily="34" charset="0"/>
+                <a:ea typeface="+mn-ea"/>
+                <a:cs typeface="Calibri" panose="020F0502020204030204" pitchFamily="34" charset="0"/>
+              </a:rPr>
+              <a:t>chn</a:t>
+            </a:r>
+            <a:r>
+              <a:rPr lang="en-US" sz="1200" kern="1200" dirty="0">
+                <a:solidFill>
+                  <a:srgbClr val="002663"/>
+                </a:solidFill>
+                <a:effectLst/>
+                <a:latin typeface="Calibri" panose="020F0502020204030204" pitchFamily="34" charset="0"/>
+                <a:ea typeface="+mn-ea"/>
+                <a:cs typeface="Calibri" panose="020F0502020204030204" pitchFamily="34" charset="0"/>
+              </a:rPr>
+              <a:t>','acq_type_grp','</a:t>
+            </a:r>
+            <a:r>
+              <a:rPr lang="en-US" sz="1200" kern="1200" dirty="0" err="1">
+                <a:solidFill>
+                  <a:srgbClr val="002663"/>
+                </a:solidFill>
+                <a:effectLst/>
+                <a:latin typeface="Calibri" panose="020F0502020204030204" pitchFamily="34" charset="0"/>
+                <a:ea typeface="+mn-ea"/>
+                <a:cs typeface="Calibri" panose="020F0502020204030204" pitchFamily="34" charset="0"/>
+              </a:rPr>
+              <a:t>fee_type_grp</a:t>
+            </a:r>
+            <a:r>
+              <a:rPr lang="en-US" sz="1200" kern="1200" dirty="0">
+                <a:solidFill>
+                  <a:srgbClr val="002663"/>
+                </a:solidFill>
+                <a:effectLst/>
+                <a:latin typeface="Calibri" panose="020F0502020204030204" pitchFamily="34" charset="0"/>
+                <a:ea typeface="+mn-ea"/>
+                <a:cs typeface="Calibri" panose="020F0502020204030204" pitchFamily="34" charset="0"/>
+              </a:rPr>
+              <a:t>’] and in case of other categorial data, ‘,’ and brackets were replaced, and it was converted </a:t>
+            </a:r>
+            <a:r>
+              <a:rPr lang="en-US" sz="1200" dirty="0">
+                <a:solidFill>
+                  <a:srgbClr val="002663"/>
+                </a:solidFill>
+                <a:latin typeface="Calibri" panose="020F0502020204030204" pitchFamily="34" charset="0"/>
+                <a:cs typeface="Calibri" panose="020F0502020204030204" pitchFamily="34" charset="0"/>
+              </a:rPr>
+              <a:t>to integers to make it a quantitative data. </a:t>
+            </a:r>
+          </a:p>
+          <a:p>
+            <a:pPr marL="171450" indent="-171450">
+              <a:buFont typeface="Arial" panose="020B0604020202020204" pitchFamily="34" charset="0"/>
+              <a:buChar char="•"/>
+            </a:pPr>
+            <a:r>
+              <a:rPr lang="en-US" sz="1200" dirty="0">
+                <a:solidFill>
+                  <a:srgbClr val="002663"/>
+                </a:solidFill>
+                <a:latin typeface="Calibri" panose="020F0502020204030204" pitchFamily="34" charset="0"/>
+                <a:cs typeface="Calibri" panose="020F0502020204030204" pitchFamily="34" charset="0"/>
+              </a:rPr>
+              <a:t>In </a:t>
+            </a:r>
+            <a:r>
+              <a:rPr lang="en-US" sz="1200" dirty="0">
+                <a:latin typeface="Calibri" pitchFamily="34" charset="0"/>
+                <a:cs typeface="Calibri" pitchFamily="34" charset="0"/>
+              </a:rPr>
+              <a:t>case of quantitative data two types of strategies were followed. Since our main concern was to get people with profitable flag,  we tried to avoid elimination of deserving people. For e.g. all the indicator like ['min_pay_</a:t>
+            </a:r>
+            <a:r>
+              <a:rPr lang="en-US" sz="1200" dirty="0" err="1">
+                <a:latin typeface="Calibri" pitchFamily="34" charset="0"/>
+                <a:cs typeface="Calibri" pitchFamily="34" charset="0"/>
+              </a:rPr>
+              <a:t>ind</a:t>
+            </a:r>
+            <a:r>
+              <a:rPr lang="en-US" sz="1200" dirty="0">
+                <a:latin typeface="Calibri" pitchFamily="34" charset="0"/>
+                <a:cs typeface="Calibri" pitchFamily="34" charset="0"/>
+              </a:rPr>
+              <a:t>','</a:t>
+            </a:r>
+            <a:r>
+              <a:rPr lang="en-US" sz="1200" dirty="0" err="1">
+                <a:latin typeface="Calibri" pitchFamily="34" charset="0"/>
+                <a:cs typeface="Calibri" pitchFamily="34" charset="0"/>
+              </a:rPr>
+              <a:t>paid_in_full_ind</a:t>
+            </a:r>
+            <a:r>
+              <a:rPr lang="en-US" sz="1200" dirty="0">
+                <a:latin typeface="Calibri" pitchFamily="34" charset="0"/>
+                <a:cs typeface="Calibri" pitchFamily="34" charset="0"/>
+              </a:rPr>
+              <a:t>’,] were set to 1 in case of missing values because they were negatively correlated  with profitable flag and other indicator were set as 0 in case of missing values as they had a positive correlation which were  ['flag_top_ed_spender','pre6m_spend_active_ind', '</a:t>
+            </a:r>
+            <a:r>
+              <a:rPr lang="en-US" sz="1200" dirty="0" err="1">
+                <a:latin typeface="Calibri" pitchFamily="34" charset="0"/>
+                <a:cs typeface="Calibri" pitchFamily="34" charset="0"/>
+              </a:rPr>
+              <a:t>highly_utilized_ind</a:t>
+            </a:r>
+            <a:r>
+              <a:rPr lang="en-US" sz="1200" dirty="0">
+                <a:latin typeface="Calibri" pitchFamily="34" charset="0"/>
+                <a:cs typeface="Calibri" pitchFamily="34" charset="0"/>
+              </a:rPr>
+              <a:t>', '</a:t>
+            </a:r>
+            <a:r>
+              <a:rPr lang="en-US" sz="1200" dirty="0" err="1">
+                <a:latin typeface="Calibri" pitchFamily="34" charset="0"/>
+                <a:cs typeface="Calibri" pitchFamily="34" charset="0"/>
+              </a:rPr>
+              <a:t>referrals','spillover</a:t>
+            </a:r>
+            <a:r>
+              <a:rPr lang="en-US" sz="1200" dirty="0">
+                <a:latin typeface="Calibri" pitchFamily="34" charset="0"/>
+                <a:cs typeface="Calibri" pitchFamily="34" charset="0"/>
+              </a:rPr>
+              <a:t>', '</a:t>
+            </a:r>
+            <a:r>
+              <a:rPr lang="en-US" sz="1200" dirty="0" err="1">
+                <a:latin typeface="Calibri" pitchFamily="34" charset="0"/>
+                <a:cs typeface="Calibri" pitchFamily="34" charset="0"/>
+              </a:rPr>
+              <a:t>self_accts</a:t>
+            </a:r>
+            <a:r>
+              <a:rPr lang="en-US" sz="1200" dirty="0">
+                <a:latin typeface="Calibri" pitchFamily="34" charset="0"/>
+                <a:cs typeface="Calibri" pitchFamily="34" charset="0"/>
+              </a:rPr>
+              <a:t>', '</a:t>
+            </a:r>
+            <a:r>
+              <a:rPr lang="en-US" sz="1200" dirty="0" err="1">
+                <a:latin typeface="Calibri" pitchFamily="34" charset="0"/>
+                <a:cs typeface="Calibri" pitchFamily="34" charset="0"/>
+              </a:rPr>
+              <a:t>Customer_Low</a:t>
+            </a:r>
+            <a:r>
+              <a:rPr lang="en-US" sz="1200" dirty="0">
+                <a:latin typeface="Calibri" pitchFamily="34" charset="0"/>
+                <a:cs typeface="Calibri" pitchFamily="34" charset="0"/>
+              </a:rPr>
+              <a:t> Quality indicator','cnsumr_lend_actv_cust_cnt','direct_debit_ind','cnsumr_chrg_actv_cust_cnt','flag_cust_fee_paid_6m’ ].</a:t>
+            </a:r>
+          </a:p>
+          <a:p>
+            <a:pPr marL="171450" indent="-171450">
+              <a:buFont typeface="Arial" panose="020B0604020202020204" pitchFamily="34" charset="0"/>
+              <a:buChar char="•"/>
+            </a:pPr>
+            <a:r>
+              <a:rPr lang="en-US" sz="1200" dirty="0">
+                <a:latin typeface="Calibri" pitchFamily="34" charset="0"/>
+                <a:cs typeface="Calibri" pitchFamily="34" charset="0"/>
+              </a:rPr>
+              <a:t>In other non flag and non indicator columns fill mean in missing values strategy was followed. </a:t>
+            </a:r>
+          </a:p>
+          <a:p>
+            <a:pPr marL="171450" indent="-171450">
+              <a:buFont typeface="Arial" panose="020B0604020202020204" pitchFamily="34" charset="0"/>
+              <a:buChar char="•"/>
+            </a:pPr>
+            <a:r>
+              <a:rPr lang="en-US" sz="1200" dirty="0">
+                <a:latin typeface="Calibri" pitchFamily="34" charset="0"/>
+                <a:cs typeface="Calibri" pitchFamily="34" charset="0"/>
+              </a:rPr>
+              <a:t>Finally correlation of the profitable flag with other columns was sorted in absolute descending order and the 1</a:t>
+            </a:r>
+            <a:r>
+              <a:rPr lang="en-US" sz="1200" baseline="30000" dirty="0">
+                <a:latin typeface="Calibri" pitchFamily="34" charset="0"/>
+                <a:cs typeface="Calibri" pitchFamily="34" charset="0"/>
+              </a:rPr>
+              <a:t>st</a:t>
+            </a:r>
+            <a:r>
+              <a:rPr lang="en-US" sz="1200" dirty="0">
+                <a:latin typeface="Calibri" pitchFamily="34" charset="0"/>
+                <a:cs typeface="Calibri" pitchFamily="34" charset="0"/>
+              </a:rPr>
+              <a:t> 5 columns were dropped from the data-frame.</a:t>
+            </a:r>
+          </a:p>
+          <a:p>
+            <a:pPr marL="171450" indent="-171450">
+              <a:buFont typeface="Arial" panose="020B0604020202020204" pitchFamily="34" charset="0"/>
+              <a:buChar char="•"/>
+            </a:pPr>
+            <a:r>
+              <a:rPr lang="en-US" sz="1200" dirty="0">
+                <a:latin typeface="Calibri" pitchFamily="34" charset="0"/>
+                <a:cs typeface="Calibri" pitchFamily="34" charset="0"/>
+              </a:rPr>
+              <a:t> Now the categorical data was label encoded using </a:t>
+            </a:r>
+            <a:r>
+              <a:rPr lang="en-US" sz="1200" dirty="0" err="1">
+                <a:latin typeface="Calibri" pitchFamily="34" charset="0"/>
+                <a:cs typeface="Calibri" pitchFamily="34" charset="0"/>
+              </a:rPr>
+              <a:t>sk</a:t>
+            </a:r>
+            <a:r>
+              <a:rPr lang="en-US" sz="1200" dirty="0">
+                <a:latin typeface="Calibri" pitchFamily="34" charset="0"/>
+                <a:cs typeface="Calibri" pitchFamily="34" charset="0"/>
+              </a:rPr>
+              <a:t>-learn library and finally the dataset was split to the accuracy which was around 82.7% on the test split and 99.8% on the train split which clearly shows that the model is over-fit and this could have been avoided by doing a good feature selection and good strategy of filling of the missing values.</a:t>
+            </a:r>
+          </a:p>
+        </p:txBody>
+      </p:sp>
+    </p:spTree>
+    <p:extLst>
+      <p:ext uri="{BB962C8B-B14F-4D97-AF65-F5344CB8AC3E}">
+        <p14:creationId xmlns:p14="http://schemas.microsoft.com/office/powerpoint/2010/main" val="68321062"/>
       </p:ext>
     </p:extLst>
   </p:cSld>
@@ -12877,14 +11195,14 @@
           <a:p>
             <a:r>
               <a:rPr lang="en-US" dirty="0"/>
-              <a:t>Strategy to decide final list</a:t>
+              <a:t>Details of each Variable used in the logic/model/strategy</a:t>
             </a:r>
           </a:p>
         </p:txBody>
       </p:sp>
       <p:cxnSp>
         <p:nvCxnSpPr>
-          <p:cNvPr id="7" name="Straight Connector 6"/>
+          <p:cNvPr id="12" name="Straight Connector 11"/>
           <p:cNvCxnSpPr/>
           <p:nvPr/>
         </p:nvCxnSpPr>
@@ -12915,32 +11233,40 @@
       </p:cxnSp>
       <p:sp>
         <p:nvSpPr>
-          <p:cNvPr id="8" name="TextBox 7"/>
-          <p:cNvSpPr txBox="1"/>
+          <p:cNvPr id="2" name="Rectangle 1"/>
+          <p:cNvSpPr/>
           <p:nvPr/>
         </p:nvSpPr>
         <p:spPr>
           <a:xfrm>
-            <a:off x="197298" y="752490"/>
-            <a:ext cx="8805187" cy="3600986"/>
+            <a:off x="573578" y="1068270"/>
+            <a:ext cx="4572000" cy="2585323"/>
           </a:xfrm>
           <a:prstGeom prst="rect">
             <a:avLst/>
           </a:prstGeom>
-          <a:noFill/>
         </p:spPr>
         <p:txBody>
-          <a:bodyPr wrap="square" rtlCol="0">
+          <a:bodyPr>
             <a:spAutoFit/>
           </a:bodyPr>
           <a:lstStyle/>
           <a:p>
             <a:r>
-              <a:rPr lang="en-US" sz="2400" b="1" dirty="0">
+              <a:rPr lang="en-US" b="1" dirty="0">
                 <a:latin typeface="Calibri" pitchFamily="34" charset="0"/>
                 <a:cs typeface="Calibri" pitchFamily="34" charset="0"/>
               </a:rPr>
-              <a:t>Please provide the strategy employed to decide the final list for submission</a:t>
+              <a:t>Please provide details of each variable used in the final logic</a:t>
+            </a:r>
+          </a:p>
+          <a:p>
+            <a:r>
+              <a:rPr lang="en-US" b="1" dirty="0">
+                <a:latin typeface="Calibri" pitchFamily="34" charset="0"/>
+                <a:cs typeface="Calibri" pitchFamily="34" charset="0"/>
+              </a:rPr>
+              <a:t>Only 3 new variables have been introduced by my side which are the label encoder of the categorical column</a:t>
             </a:r>
             <a:endParaRPr lang="en-US" dirty="0">
               <a:latin typeface="Calibri" pitchFamily="34" charset="0"/>
@@ -12948,281 +11274,65 @@
             </a:endParaRPr>
           </a:p>
           <a:p>
-            <a:pPr marL="171450" indent="-171450">
-              <a:buFont typeface="Arial" panose="020B0604020202020204" pitchFamily="34" charset="0"/>
-              <a:buChar char="•"/>
+            <a:pPr marL="342900" indent="-342900">
+              <a:buAutoNum type="arabicParenR"/>
             </a:pPr>
             <a:r>
-              <a:rPr lang="en-US" sz="1200" dirty="0">
+              <a:rPr lang="en-US" dirty="0" err="1">
                 <a:latin typeface="Calibri" pitchFamily="34" charset="0"/>
                 <a:cs typeface="Calibri" pitchFamily="34" charset="0"/>
               </a:rPr>
-              <a:t>The strategy mainly was centered around the feature selection and filling of nan-values. </a:t>
-            </a:r>
-          </a:p>
-          <a:p>
-            <a:pPr marL="171450" indent="-171450">
-              <a:buFont typeface="Arial" panose="020B0604020202020204" pitchFamily="34" charset="0"/>
-              <a:buChar char="•"/>
+              <a:t>fee_type_grp_le</a:t>
+            </a:r>
+            <a:endParaRPr lang="en-US" dirty="0">
+              <a:latin typeface="Calibri" pitchFamily="34" charset="0"/>
+              <a:cs typeface="Calibri" pitchFamily="34" charset="0"/>
+            </a:endParaRPr>
+          </a:p>
+          <a:p>
+            <a:pPr marL="342900" indent="-342900">
+              <a:buAutoNum type="arabicParenR"/>
             </a:pPr>
             <a:r>
-              <a:rPr lang="en-US" sz="1200" dirty="0">
+              <a:rPr lang="en-US" dirty="0" err="1">
                 <a:latin typeface="Calibri" pitchFamily="34" charset="0"/>
                 <a:cs typeface="Calibri" pitchFamily="34" charset="0"/>
               </a:rPr>
-              <a:t>For categorical data, missing values were filled as unknown in case of columns </a:t>
-            </a:r>
-            <a:r>
-              <a:rPr lang="en-US" sz="1200" kern="1200" dirty="0">
-                <a:solidFill>
-                  <a:srgbClr val="002663"/>
-                </a:solidFill>
-                <a:effectLst/>
-                <a:latin typeface="Calibri" panose="020F0502020204030204" pitchFamily="34" charset="0"/>
-                <a:ea typeface="+mn-ea"/>
-                <a:cs typeface="Calibri" panose="020F0502020204030204" pitchFamily="34" charset="0"/>
-              </a:rPr>
-              <a:t>['acq_sub_</a:t>
-            </a:r>
-            <a:r>
-              <a:rPr lang="en-US" sz="1200" kern="1200" dirty="0" err="1">
-                <a:solidFill>
-                  <a:srgbClr val="002663"/>
-                </a:solidFill>
-                <a:effectLst/>
-                <a:latin typeface="Calibri" panose="020F0502020204030204" pitchFamily="34" charset="0"/>
-                <a:ea typeface="+mn-ea"/>
-                <a:cs typeface="Calibri" panose="020F0502020204030204" pitchFamily="34" charset="0"/>
-              </a:rPr>
-              <a:t>chn</a:t>
-            </a:r>
-            <a:r>
-              <a:rPr lang="en-US" sz="1200" kern="1200" dirty="0">
-                <a:solidFill>
-                  <a:srgbClr val="002663"/>
-                </a:solidFill>
-                <a:effectLst/>
-                <a:latin typeface="Calibri" panose="020F0502020204030204" pitchFamily="34" charset="0"/>
-                <a:ea typeface="+mn-ea"/>
-                <a:cs typeface="Calibri" panose="020F0502020204030204" pitchFamily="34" charset="0"/>
-              </a:rPr>
-              <a:t>','acq_type_grp','</a:t>
-            </a:r>
-            <a:r>
-              <a:rPr lang="en-US" sz="1200" kern="1200" dirty="0" err="1">
-                <a:solidFill>
-                  <a:srgbClr val="002663"/>
-                </a:solidFill>
-                <a:effectLst/>
-                <a:latin typeface="Calibri" panose="020F0502020204030204" pitchFamily="34" charset="0"/>
-                <a:ea typeface="+mn-ea"/>
-                <a:cs typeface="Calibri" panose="020F0502020204030204" pitchFamily="34" charset="0"/>
-              </a:rPr>
-              <a:t>fee_type_grp</a:t>
-            </a:r>
-            <a:r>
-              <a:rPr lang="en-US" sz="1200" kern="1200" dirty="0">
-                <a:solidFill>
-                  <a:srgbClr val="002663"/>
-                </a:solidFill>
-                <a:effectLst/>
-                <a:latin typeface="Calibri" panose="020F0502020204030204" pitchFamily="34" charset="0"/>
-                <a:ea typeface="+mn-ea"/>
-                <a:cs typeface="Calibri" panose="020F0502020204030204" pitchFamily="34" charset="0"/>
-              </a:rPr>
-              <a:t>’] and in case of other categorial data, ‘,’ and brackets were replaced, and it was converted </a:t>
-            </a:r>
-            <a:r>
-              <a:rPr lang="en-US" sz="1200" dirty="0">
-                <a:solidFill>
-                  <a:srgbClr val="002663"/>
-                </a:solidFill>
-                <a:latin typeface="Calibri" panose="020F0502020204030204" pitchFamily="34" charset="0"/>
-                <a:cs typeface="Calibri" panose="020F0502020204030204" pitchFamily="34" charset="0"/>
-              </a:rPr>
-              <a:t>to integers to make it a quantitative data. </a:t>
-            </a:r>
-          </a:p>
-          <a:p>
-            <a:pPr marL="171450" indent="-171450">
-              <a:buFont typeface="Arial" panose="020B0604020202020204" pitchFamily="34" charset="0"/>
-              <a:buChar char="•"/>
+              <a:t>acq_sub_chn_le</a:t>
+            </a:r>
+            <a:endParaRPr lang="en-US" dirty="0">
+              <a:latin typeface="Calibri" pitchFamily="34" charset="0"/>
+              <a:cs typeface="Calibri" pitchFamily="34" charset="0"/>
+            </a:endParaRPr>
+          </a:p>
+          <a:p>
+            <a:pPr marL="342900" indent="-342900">
+              <a:buAutoNum type="arabicParenR"/>
             </a:pPr>
             <a:r>
-              <a:rPr lang="en-US" sz="1200" dirty="0">
-                <a:solidFill>
-                  <a:srgbClr val="002663"/>
-                </a:solidFill>
-                <a:latin typeface="Calibri" panose="020F0502020204030204" pitchFamily="34" charset="0"/>
-                <a:cs typeface="Calibri" panose="020F0502020204030204" pitchFamily="34" charset="0"/>
-              </a:rPr>
-              <a:t>In </a:t>
-            </a:r>
-            <a:r>
-              <a:rPr lang="en-US" sz="1200" dirty="0">
+              <a:rPr lang="en-US" dirty="0" err="1">
                 <a:latin typeface="Calibri" pitchFamily="34" charset="0"/>
                 <a:cs typeface="Calibri" pitchFamily="34" charset="0"/>
               </a:rPr>
-              <a:t>case of quantitative data two types of strategies were followed. Since our main concern was to get people with profitable flag,  we tried to avoid elimination of deserving people. For e.g. all the indicator like ['min_pay_</a:t>
-            </a:r>
-            <a:r>
-              <a:rPr lang="en-US" sz="1200" dirty="0" err="1">
-                <a:latin typeface="Calibri" pitchFamily="34" charset="0"/>
-                <a:cs typeface="Calibri" pitchFamily="34" charset="0"/>
-              </a:rPr>
-              <a:t>ind</a:t>
-            </a:r>
-            <a:r>
-              <a:rPr lang="en-US" sz="1200" dirty="0">
-                <a:latin typeface="Calibri" pitchFamily="34" charset="0"/>
-                <a:cs typeface="Calibri" pitchFamily="34" charset="0"/>
-              </a:rPr>
-              <a:t>','</a:t>
-            </a:r>
-            <a:r>
-              <a:rPr lang="en-US" sz="1200" dirty="0" err="1">
-                <a:latin typeface="Calibri" pitchFamily="34" charset="0"/>
-                <a:cs typeface="Calibri" pitchFamily="34" charset="0"/>
-              </a:rPr>
-              <a:t>paid_in_full_ind</a:t>
-            </a:r>
-            <a:r>
-              <a:rPr lang="en-US" sz="1200" dirty="0">
-                <a:latin typeface="Calibri" pitchFamily="34" charset="0"/>
-                <a:cs typeface="Calibri" pitchFamily="34" charset="0"/>
-              </a:rPr>
-              <a:t>’,] were set to 1 in case of missing values because they were negatively correlated  with profitable flag and other indicator were set as 0 in case of missing values as they had a positive correlation which were  ['flag_top_ed_spender','pre6m_spend_active_ind', '</a:t>
-            </a:r>
-            <a:r>
-              <a:rPr lang="en-US" sz="1200" dirty="0" err="1">
-                <a:latin typeface="Calibri" pitchFamily="34" charset="0"/>
-                <a:cs typeface="Calibri" pitchFamily="34" charset="0"/>
-              </a:rPr>
-              <a:t>highly_utilized_ind</a:t>
-            </a:r>
-            <a:r>
-              <a:rPr lang="en-US" sz="1200" dirty="0">
-                <a:latin typeface="Calibri" pitchFamily="34" charset="0"/>
-                <a:cs typeface="Calibri" pitchFamily="34" charset="0"/>
-              </a:rPr>
-              <a:t>', '</a:t>
-            </a:r>
-            <a:r>
-              <a:rPr lang="en-US" sz="1200" dirty="0" err="1">
-                <a:latin typeface="Calibri" pitchFamily="34" charset="0"/>
-                <a:cs typeface="Calibri" pitchFamily="34" charset="0"/>
-              </a:rPr>
-              <a:t>referrals','spillover</a:t>
-            </a:r>
-            <a:r>
-              <a:rPr lang="en-US" sz="1200" dirty="0">
-                <a:latin typeface="Calibri" pitchFamily="34" charset="0"/>
-                <a:cs typeface="Calibri" pitchFamily="34" charset="0"/>
-              </a:rPr>
-              <a:t>', '</a:t>
-            </a:r>
-            <a:r>
-              <a:rPr lang="en-US" sz="1200" dirty="0" err="1">
-                <a:latin typeface="Calibri" pitchFamily="34" charset="0"/>
-                <a:cs typeface="Calibri" pitchFamily="34" charset="0"/>
-              </a:rPr>
-              <a:t>self_accts</a:t>
-            </a:r>
-            <a:r>
-              <a:rPr lang="en-US" sz="1200" dirty="0">
-                <a:latin typeface="Calibri" pitchFamily="34" charset="0"/>
-                <a:cs typeface="Calibri" pitchFamily="34" charset="0"/>
-              </a:rPr>
-              <a:t>', '</a:t>
-            </a:r>
-            <a:r>
-              <a:rPr lang="en-US" sz="1200" dirty="0" err="1">
-                <a:latin typeface="Calibri" pitchFamily="34" charset="0"/>
-                <a:cs typeface="Calibri" pitchFamily="34" charset="0"/>
-              </a:rPr>
-              <a:t>Customer_Low</a:t>
-            </a:r>
-            <a:r>
-              <a:rPr lang="en-US" sz="1200" dirty="0">
-                <a:latin typeface="Calibri" pitchFamily="34" charset="0"/>
-                <a:cs typeface="Calibri" pitchFamily="34" charset="0"/>
-              </a:rPr>
-              <a:t> Quality indicator','cnsumr_lend_actv_cust_cnt','direct_debit_ind','cnsumr_chrg_actv_cust_cnt','flag_cust_fee_paid_6m’ ].</a:t>
-            </a:r>
-          </a:p>
-          <a:p>
-            <a:pPr marL="171450" indent="-171450">
-              <a:buFont typeface="Arial" panose="020B0604020202020204" pitchFamily="34" charset="0"/>
-              <a:buChar char="•"/>
-            </a:pPr>
-            <a:r>
-              <a:rPr lang="en-US" sz="1200" dirty="0">
-                <a:latin typeface="Calibri" pitchFamily="34" charset="0"/>
-                <a:cs typeface="Calibri" pitchFamily="34" charset="0"/>
-              </a:rPr>
-              <a:t>In other non flag and non indicator columns fill mean in missing values strategy was followed. </a:t>
-            </a:r>
-          </a:p>
-          <a:p>
-            <a:pPr marL="171450" indent="-171450">
-              <a:buFont typeface="Arial" panose="020B0604020202020204" pitchFamily="34" charset="0"/>
-              <a:buChar char="•"/>
-            </a:pPr>
-            <a:r>
-              <a:rPr lang="en-US" sz="1200" dirty="0">
-                <a:latin typeface="Calibri" pitchFamily="34" charset="0"/>
-                <a:cs typeface="Calibri" pitchFamily="34" charset="0"/>
-              </a:rPr>
-              <a:t>Finally correlation of the profitable flag with other columns was sorted in absolute descending order and the 1</a:t>
-            </a:r>
-            <a:r>
-              <a:rPr lang="en-US" sz="1200" baseline="30000" dirty="0">
-                <a:latin typeface="Calibri" pitchFamily="34" charset="0"/>
-                <a:cs typeface="Calibri" pitchFamily="34" charset="0"/>
-              </a:rPr>
-              <a:t>st</a:t>
-            </a:r>
-            <a:r>
-              <a:rPr lang="en-US" sz="1200" dirty="0">
-                <a:latin typeface="Calibri" pitchFamily="34" charset="0"/>
-                <a:cs typeface="Calibri" pitchFamily="34" charset="0"/>
-              </a:rPr>
-              <a:t> 5 columns were dropped from the data-frame.</a:t>
-            </a:r>
-          </a:p>
-          <a:p>
-            <a:pPr marL="171450" indent="-171450">
-              <a:buFont typeface="Arial" panose="020B0604020202020204" pitchFamily="34" charset="0"/>
-              <a:buChar char="•"/>
-            </a:pPr>
-            <a:r>
-              <a:rPr lang="en-US" sz="1200" dirty="0">
-                <a:latin typeface="Calibri" pitchFamily="34" charset="0"/>
-                <a:cs typeface="Calibri" pitchFamily="34" charset="0"/>
-              </a:rPr>
-              <a:t> Now the categorical data was label encoded using </a:t>
-            </a:r>
-            <a:r>
-              <a:rPr lang="en-US" sz="1200" dirty="0" err="1">
-                <a:latin typeface="Calibri" pitchFamily="34" charset="0"/>
-                <a:cs typeface="Calibri" pitchFamily="34" charset="0"/>
-              </a:rPr>
-              <a:t>sk</a:t>
-            </a:r>
-            <a:r>
-              <a:rPr lang="en-US" sz="1200" dirty="0">
-                <a:latin typeface="Calibri" pitchFamily="34" charset="0"/>
-                <a:cs typeface="Calibri" pitchFamily="34" charset="0"/>
-              </a:rPr>
-              <a:t>-learn library and finally the dataset was split to the accuracy which was around 82.7% on the test split and 99.8% on the train split which clearly shows that the model is over-fit and this could have been avoided by doing a good feature selection and good strategy of filling of the missing values.</a:t>
-            </a:r>
+              <a:t>acq_type_grp_le</a:t>
+            </a:r>
+            <a:endParaRPr lang="en-US" dirty="0">
+              <a:latin typeface="Calibri" pitchFamily="34" charset="0"/>
+              <a:cs typeface="Calibri" pitchFamily="34" charset="0"/>
+            </a:endParaRPr>
+          </a:p>
+          <a:p>
+            <a:endParaRPr lang="en-US" dirty="0">
+              <a:latin typeface="Calibri" pitchFamily="34" charset="0"/>
+              <a:cs typeface="Calibri" pitchFamily="34" charset="0"/>
+            </a:endParaRPr>
           </a:p>
         </p:txBody>
       </p:sp>
     </p:spTree>
     <p:extLst>
       <p:ext uri="{BB962C8B-B14F-4D97-AF65-F5344CB8AC3E}">
-        <p14:creationId xmlns:p14="http://schemas.microsoft.com/office/powerpoint/2010/main" val="68321062"/>
+        <p14:creationId xmlns:p14="http://schemas.microsoft.com/office/powerpoint/2010/main" val="4272284450"/>
       </p:ext>
     </p:extLst>
   </p:cSld>
@@ -13272,193 +11382,6 @@
           <a:p>
             <a:r>
               <a:rPr lang="en-US" dirty="0"/>
-              <a:t>Details of each Variable used in the logic/model/strategy</a:t>
-            </a:r>
-          </a:p>
-        </p:txBody>
-      </p:sp>
-      <p:cxnSp>
-        <p:nvCxnSpPr>
-          <p:cNvPr id="12" name="Straight Connector 11"/>
-          <p:cNvCxnSpPr/>
-          <p:nvPr/>
-        </p:nvCxnSpPr>
-        <p:spPr>
-          <a:xfrm>
-            <a:off x="0" y="653898"/>
-            <a:ext cx="9144000" cy="0"/>
-          </a:xfrm>
-          <a:prstGeom prst="line">
-            <a:avLst/>
-          </a:prstGeom>
-          <a:effectLst/>
-        </p:spPr>
-        <p:style>
-          <a:lnRef idx="2">
-            <a:schemeClr val="accent1"/>
-          </a:lnRef>
-          <a:fillRef idx="0">
-            <a:schemeClr val="accent1"/>
-          </a:fillRef>
-          <a:effectRef idx="1">
-            <a:schemeClr val="accent1"/>
-          </a:effectRef>
-          <a:fontRef idx="minor">
-            <a:schemeClr val="tx1"/>
-          </a:fontRef>
-        </p:style>
-      </p:cxnSp>
-      <p:sp>
-        <p:nvSpPr>
-          <p:cNvPr id="2" name="Rectangle 1"/>
-          <p:cNvSpPr/>
-          <p:nvPr/>
-        </p:nvSpPr>
-        <p:spPr>
-          <a:xfrm>
-            <a:off x="573578" y="1068270"/>
-            <a:ext cx="4572000" cy="2585323"/>
-          </a:xfrm>
-          <a:prstGeom prst="rect">
-            <a:avLst/>
-          </a:prstGeom>
-        </p:spPr>
-        <p:txBody>
-          <a:bodyPr>
-            <a:spAutoFit/>
-          </a:bodyPr>
-          <a:lstStyle/>
-          <a:p>
-            <a:r>
-              <a:rPr lang="en-US" b="1" dirty="0">
-                <a:latin typeface="Calibri" pitchFamily="34" charset="0"/>
-                <a:cs typeface="Calibri" pitchFamily="34" charset="0"/>
-              </a:rPr>
-              <a:t>Please provide details of each variable used in the final logic</a:t>
-            </a:r>
-          </a:p>
-          <a:p>
-            <a:r>
-              <a:rPr lang="en-US" b="1" dirty="0">
-                <a:latin typeface="Calibri" pitchFamily="34" charset="0"/>
-                <a:cs typeface="Calibri" pitchFamily="34" charset="0"/>
-              </a:rPr>
-              <a:t>Only 3 new variables have been introduced by my side which are the label encoder of the categorical column</a:t>
-            </a:r>
-            <a:endParaRPr lang="en-US" dirty="0">
-              <a:latin typeface="Calibri" pitchFamily="34" charset="0"/>
-              <a:cs typeface="Calibri" pitchFamily="34" charset="0"/>
-            </a:endParaRPr>
-          </a:p>
-          <a:p>
-            <a:pPr marL="342900" indent="-342900">
-              <a:buAutoNum type="arabicParenR"/>
-            </a:pPr>
-            <a:r>
-              <a:rPr lang="en-US" dirty="0" err="1">
-                <a:latin typeface="Calibri" pitchFamily="34" charset="0"/>
-                <a:cs typeface="Calibri" pitchFamily="34" charset="0"/>
-              </a:rPr>
-              <a:t>fee_type_grp_le</a:t>
-            </a:r>
-            <a:endParaRPr lang="en-US" dirty="0">
-              <a:latin typeface="Calibri" pitchFamily="34" charset="0"/>
-              <a:cs typeface="Calibri" pitchFamily="34" charset="0"/>
-            </a:endParaRPr>
-          </a:p>
-          <a:p>
-            <a:pPr marL="342900" indent="-342900">
-              <a:buAutoNum type="arabicParenR"/>
-            </a:pPr>
-            <a:r>
-              <a:rPr lang="en-US" dirty="0" err="1">
-                <a:latin typeface="Calibri" pitchFamily="34" charset="0"/>
-                <a:cs typeface="Calibri" pitchFamily="34" charset="0"/>
-              </a:rPr>
-              <a:t>acq_sub_chn_le</a:t>
-            </a:r>
-            <a:endParaRPr lang="en-US" dirty="0">
-              <a:latin typeface="Calibri" pitchFamily="34" charset="0"/>
-              <a:cs typeface="Calibri" pitchFamily="34" charset="0"/>
-            </a:endParaRPr>
-          </a:p>
-          <a:p>
-            <a:pPr marL="342900" indent="-342900">
-              <a:buAutoNum type="arabicParenR"/>
-            </a:pPr>
-            <a:r>
-              <a:rPr lang="en-US" dirty="0" err="1">
-                <a:latin typeface="Calibri" pitchFamily="34" charset="0"/>
-                <a:cs typeface="Calibri" pitchFamily="34" charset="0"/>
-              </a:rPr>
-              <a:t>acq_type_grp_le</a:t>
-            </a:r>
-            <a:endParaRPr lang="en-US" dirty="0">
-              <a:latin typeface="Calibri" pitchFamily="34" charset="0"/>
-              <a:cs typeface="Calibri" pitchFamily="34" charset="0"/>
-            </a:endParaRPr>
-          </a:p>
-          <a:p>
-            <a:endParaRPr lang="en-US" dirty="0">
-              <a:latin typeface="Calibri" pitchFamily="34" charset="0"/>
-              <a:cs typeface="Calibri" pitchFamily="34" charset="0"/>
-            </a:endParaRPr>
-          </a:p>
-        </p:txBody>
-      </p:sp>
-    </p:spTree>
-    <p:extLst>
-      <p:ext uri="{BB962C8B-B14F-4D97-AF65-F5344CB8AC3E}">
-        <p14:creationId xmlns:p14="http://schemas.microsoft.com/office/powerpoint/2010/main" val="4272284450"/>
-      </p:ext>
-    </p:extLst>
-  </p:cSld>
-  <p:clrMapOvr>
-    <a:masterClrMapping/>
-  </p:clrMapOvr>
-  <p:transition spd="slow"/>
-</p:sld>
-</file>
-
-<file path=ppt/slides/slide6.xml><?xml version="1.0" encoding="utf-8"?>
-<p:sld xmlns:a="http://schemas.openxmlformats.org/drawingml/2006/main" xmlns:r="http://schemas.openxmlformats.org/officeDocument/2006/relationships" xmlns:p="http://schemas.openxmlformats.org/presentationml/2006/main">
-  <p:cSld>
-    <p:spTree>
-      <p:nvGrpSpPr>
-        <p:cNvPr id="1" name=""/>
-        <p:cNvGrpSpPr/>
-        <p:nvPr/>
-      </p:nvGrpSpPr>
-      <p:grpSpPr>
-        <a:xfrm>
-          <a:off x="0" y="0"/>
-          <a:ext cx="0" cy="0"/>
-          <a:chOff x="0" y="0"/>
-          <a:chExt cx="0" cy="0"/>
-        </a:xfrm>
-      </p:grpSpPr>
-      <p:sp>
-        <p:nvSpPr>
-          <p:cNvPr id="43" name="Title 1"/>
-          <p:cNvSpPr>
-            <a:spLocks noGrp="1"/>
-          </p:cNvSpPr>
-          <p:nvPr>
-            <p:ph type="title"/>
-          </p:nvPr>
-        </p:nvSpPr>
-        <p:spPr>
-          <a:xfrm>
-            <a:off x="387746" y="151214"/>
-            <a:ext cx="8229600" cy="747596"/>
-          </a:xfrm>
-        </p:spPr>
-        <p:txBody>
-          <a:bodyPr/>
-          <a:lstStyle/>
-          <a:p>
-            <a:r>
-              <a:rPr lang="en-US" dirty="0"/>
               <a:t>Reasons for Technique(s) Used</a:t>
             </a:r>
           </a:p>
@@ -13556,7 +11479,7 @@
 </p:sld>
 </file>
 
-<file path=ppt/slides/slide7.xml><?xml version="1.0" encoding="utf-8"?>
+<file path=ppt/slides/slide6.xml><?xml version="1.0" encoding="utf-8"?>
 <p:sld xmlns:a="http://schemas.openxmlformats.org/drawingml/2006/main" xmlns:r="http://schemas.openxmlformats.org/officeDocument/2006/relationships" xmlns:p="http://schemas.openxmlformats.org/presentationml/2006/main">
   <p:cSld>
     <p:spTree>
@@ -13717,7 +11640,7 @@
           <a:graphicData uri="http://schemas.openxmlformats.org/presentationml/2006/ole">
             <mc:AlternateContent xmlns:mc="http://schemas.openxmlformats.org/markup-compatibility/2006">
               <mc:Choice xmlns:v="urn:schemas-microsoft-com:vml" Requires="v">
-                <p:oleObj spid="_x0000_s1028" name="Binary Worksheet" r:id="rId4" imgW="4274714" imgH="1836523" progId="Excel.SheetBinaryMacroEnabled.12">
+                <p:oleObj spid="_x0000_s1029" name="Binary Worksheet" r:id="rId4" imgW="4274714" imgH="1836523" progId="Excel.SheetBinaryMacroEnabled.12">
                   <p:link updateAutomatic="1"/>
                 </p:oleObj>
               </mc:Choice>
@@ -13766,7 +11689,7 @@
 </p:sld>
 </file>
 
-<file path=ppt/slides/slide8.xml><?xml version="1.0" encoding="utf-8"?>
+<file path=ppt/slides/slide7.xml><?xml version="1.0" encoding="utf-8"?>
 <p:sld xmlns:a="http://schemas.openxmlformats.org/drawingml/2006/main" xmlns:r="http://schemas.openxmlformats.org/officeDocument/2006/relationships" xmlns:p="http://schemas.openxmlformats.org/presentationml/2006/main">
   <p:cSld>
     <p:spTree>
@@ -14170,7 +12093,7 @@
 </file>
 
 <file path=ppt/theme/theme2.xml><?xml version="1.0" encoding="utf-8"?>
-<a:theme xmlns:a="http://schemas.openxmlformats.org/drawingml/2006/main" name="1_Enterprise CorpID version 2">
+<a:theme xmlns:a="http://schemas.openxmlformats.org/drawingml/2006/main" name="2_Enterprise CorpID version 2">
   <a:themeElements>
     <a:clrScheme name="Custom 121">
       <a:dk1>
@@ -14520,7 +12443,7 @@
 </file>
 
 <file path=ppt/theme/theme3.xml><?xml version="1.0" encoding="utf-8"?>
-<a:theme xmlns:a="http://schemas.openxmlformats.org/drawingml/2006/main" name="2_Enterprise CorpID version 2">
+<a:theme xmlns:a="http://schemas.openxmlformats.org/drawingml/2006/main" name="3_Enterprise CorpID version 2">
   <a:themeElements>
     <a:clrScheme name="Custom 121">
       <a:dk1>
@@ -14870,7 +12793,7 @@
 </file>
 
 <file path=ppt/theme/theme4.xml><?xml version="1.0" encoding="utf-8"?>
-<a:theme xmlns:a="http://schemas.openxmlformats.org/drawingml/2006/main" name="3_Enterprise CorpID version 2">
+<a:theme xmlns:a="http://schemas.openxmlformats.org/drawingml/2006/main" name="4_Enterprise CorpID version 2">
   <a:themeElements>
     <a:clrScheme name="Custom 121">
       <a:dk1>
@@ -15220,7 +13143,7 @@
 </file>
 
 <file path=ppt/theme/theme5.xml><?xml version="1.0" encoding="utf-8"?>
-<a:theme xmlns:a="http://schemas.openxmlformats.org/drawingml/2006/main" name="4_Enterprise CorpID version 2">
+<a:theme xmlns:a="http://schemas.openxmlformats.org/drawingml/2006/main" name="5_Enterprise CorpID version 2">
   <a:themeElements>
     <a:clrScheme name="Custom 121">
       <a:dk1>
@@ -15570,7 +13493,7 @@
 </file>
 
 <file path=ppt/theme/theme6.xml><?xml version="1.0" encoding="utf-8"?>
-<a:theme xmlns:a="http://schemas.openxmlformats.org/drawingml/2006/main" name="5_Enterprise CorpID version 2">
+<a:theme xmlns:a="http://schemas.openxmlformats.org/drawingml/2006/main" name="6_Enterprise CorpID version 2">
   <a:themeElements>
     <a:clrScheme name="Custom 121">
       <a:dk1>
@@ -15920,62 +13843,62 @@
 </file>
 
 <file path=ppt/theme/theme7.xml><?xml version="1.0" encoding="utf-8"?>
-<a:theme xmlns:a="http://schemas.openxmlformats.org/drawingml/2006/main" name="6_Enterprise CorpID version 2">
+<a:theme xmlns:a="http://schemas.openxmlformats.org/drawingml/2006/main" name="Office Theme">
   <a:themeElements>
-    <a:clrScheme name="Custom 121">
+    <a:clrScheme name="Office">
       <a:dk1>
-        <a:srgbClr val="002663"/>
+        <a:sysClr val="windowText" lastClr="000000"/>
       </a:dk1>
       <a:lt1>
-        <a:srgbClr val="FFFFFF"/>
+        <a:sysClr val="window" lastClr="FFFFFF"/>
       </a:lt1>
       <a:dk2>
-        <a:srgbClr val="006AD2"/>
+        <a:srgbClr val="1F497D"/>
       </a:dk2>
       <a:lt2>
-        <a:srgbClr val="162B73"/>
+        <a:srgbClr val="EEECE1"/>
       </a:lt2>
       <a:accent1>
-        <a:srgbClr val="0968CE"/>
+        <a:srgbClr val="4F81BD"/>
       </a:accent1>
       <a:accent2>
-        <a:srgbClr val="6F7879"/>
+        <a:srgbClr val="C0504D"/>
       </a:accent2>
       <a:accent3>
-        <a:srgbClr val="13276E"/>
+        <a:srgbClr val="9BBB59"/>
       </a:accent3>
       <a:accent4>
-        <a:srgbClr val="D6E6FE"/>
+        <a:srgbClr val="8064A2"/>
       </a:accent4>
       <a:accent5>
-        <a:srgbClr val="BECAF1"/>
+        <a:srgbClr val="4BACC6"/>
       </a:accent5>
       <a:accent6>
-        <a:srgbClr val="C7C8C7"/>
+        <a:srgbClr val="F79646"/>
       </a:accent6>
       <a:hlink>
-        <a:srgbClr val="0069D0"/>
+        <a:srgbClr val="0000FF"/>
       </a:hlink>
       <a:folHlink>
-        <a:srgbClr val="002663"/>
+        <a:srgbClr val="800080"/>
       </a:folHlink>
     </a:clrScheme>
-    <a:fontScheme name="Office Classic 2">
+    <a:fontScheme name="Office">
       <a:majorFont>
-        <a:latin typeface="Arial"/>
+        <a:latin typeface="Calibri"/>
         <a:ea typeface=""/>
         <a:cs typeface=""/>
         <a:font script="Jpan" typeface="ＭＳ Ｐゴシック"/>
-        <a:font script="Hang" typeface="굴림"/>
-        <a:font script="Hans" typeface="黑体"/>
-        <a:font script="Hant" typeface="微軟正黑體"/>
-        <a:font script="Arab" typeface="Arial"/>
-        <a:font script="Hebr" typeface="Arial"/>
-        <a:font script="Thai" typeface="Cordia New"/>
+        <a:font script="Hang" typeface="맑은 고딕"/>
+        <a:font script="Hans" typeface="宋体"/>
+        <a:font script="Hant" typeface="新細明體"/>
+        <a:font script="Arab" typeface="Times New Roman"/>
+        <a:font script="Hebr" typeface="Times New Roman"/>
+        <a:font script="Thai" typeface="Angsana New"/>
         <a:font script="Ethi" typeface="Nyala"/>
         <a:font script="Beng" typeface="Vrinda"/>
         <a:font script="Gujr" typeface="Shruti"/>
-        <a:font script="Khmr" typeface="DaunPenh"/>
+        <a:font script="Khmr" typeface="MoolBoran"/>
         <a:font script="Knda" typeface="Tunga"/>
         <a:font script="Guru" typeface="Raavi"/>
         <a:font script="Cans" typeface="Euphemia"/>
@@ -15992,17 +13915,17 @@
         <a:font script="Laoo" typeface="DokChampa"/>
         <a:font script="Sinh" typeface="Iskoola Pota"/>
         <a:font script="Mong" typeface="Mongolian Baiti"/>
-        <a:font script="Viet" typeface="Arial"/>
+        <a:font script="Viet" typeface="Times New Roman"/>
         <a:font script="Uigh" typeface="Microsoft Uighur"/>
       </a:majorFont>
       <a:minorFont>
-        <a:latin typeface="Arial"/>
+        <a:latin typeface="Calibri"/>
         <a:ea typeface=""/>
         <a:cs typeface=""/>
         <a:font script="Jpan" typeface="ＭＳ Ｐゴシック"/>
-        <a:font script="Hang" typeface="굴림"/>
-        <a:font script="Hans" typeface="黑体"/>
-        <a:font script="Hant" typeface="微軟正黑體"/>
+        <a:font script="Hang" typeface="맑은 고딕"/>
+        <a:font script="Hans" typeface="宋体"/>
+        <a:font script="Hant" typeface="新細明體"/>
         <a:font script="Arab" typeface="Arial"/>
         <a:font script="Hebr" typeface="Arial"/>
         <a:font script="Thai" typeface="Cordia New"/>
@@ -16195,21 +14118,9 @@
   </a:themeElements>
   <a:objectDefaults>
     <a:spDef>
-      <a:spPr>
-        <a:solidFill>
-          <a:schemeClr val="bg2"/>
-        </a:solidFill>
-        <a:ln>
-          <a:noFill/>
-        </a:ln>
-        <a:effectLst/>
-      </a:spPr>
-      <a:bodyPr rtlCol="0" anchor="ctr"/>
-      <a:lstStyle>
-        <a:defPPr algn="ctr">
-          <a:defRPr/>
-        </a:defPPr>
-      </a:lstStyle>
+      <a:spPr/>
+      <a:bodyPr/>
+      <a:lstStyle/>
       <a:style>
         <a:lnRef idx="1">
           <a:schemeClr val="accent1"/>
@@ -16226,9 +14137,7 @@
       </a:style>
     </a:spDef>
     <a:lnDef>
-      <a:spPr>
-        <a:effectLst/>
-      </a:spPr>
+      <a:spPr/>
       <a:bodyPr/>
       <a:lstStyle/>
       <a:style>
@@ -16246,24 +14155,6 @@
         </a:fontRef>
       </a:style>
     </a:lnDef>
-    <a:txDef>
-      <a:spPr>
-        <a:noFill/>
-      </a:spPr>
-      <a:bodyPr wrap="none" lIns="0" tIns="0" rIns="0" bIns="0" rtlCol="0">
-        <a:spAutoFit/>
-      </a:bodyPr>
-      <a:lstStyle>
-        <a:defPPr algn="l">
-          <a:defRPr b="0" i="0" dirty="0" smtClean="0">
-            <a:solidFill>
-              <a:schemeClr val="bg2"/>
-            </a:solidFill>
-            <a:latin typeface="BentonSans Light" panose="02000503000000020004" pitchFamily="2" charset="0"/>
-          </a:defRPr>
-        </a:defPPr>
-      </a:lstStyle>
-    </a:txDef>
   </a:objectDefaults>
   <a:extraClrSchemeLst/>
 </a:theme>
@@ -16585,322 +14476,4 @@
   </a:objectDefaults>
   <a:extraClrSchemeLst/>
 </a:theme>
-</file>
-
-<file path=ppt/theme/theme9.xml><?xml version="1.0" encoding="utf-8"?>
-<a:theme xmlns:a="http://schemas.openxmlformats.org/drawingml/2006/main" name="Office Theme">
-  <a:themeElements>
-    <a:clrScheme name="Office">
-      <a:dk1>
-        <a:sysClr val="windowText" lastClr="000000"/>
-      </a:dk1>
-      <a:lt1>
-        <a:sysClr val="window" lastClr="FFFFFF"/>
-      </a:lt1>
-      <a:dk2>
-        <a:srgbClr val="1F497D"/>
-      </a:dk2>
-      <a:lt2>
-        <a:srgbClr val="EEECE1"/>
-      </a:lt2>
-      <a:accent1>
-        <a:srgbClr val="4F81BD"/>
-      </a:accent1>
-      <a:accent2>
-        <a:srgbClr val="C0504D"/>
-      </a:accent2>
-      <a:accent3>
-        <a:srgbClr val="9BBB59"/>
-      </a:accent3>
-      <a:accent4>
-        <a:srgbClr val="8064A2"/>
-      </a:accent4>
-      <a:accent5>
-        <a:srgbClr val="4BACC6"/>
-      </a:accent5>
-      <a:accent6>
-        <a:srgbClr val="F79646"/>
-      </a:accent6>
-      <a:hlink>
-        <a:srgbClr val="0000FF"/>
-      </a:hlink>
-      <a:folHlink>
-        <a:srgbClr val="800080"/>
-      </a:folHlink>
-    </a:clrScheme>
-    <a:fontScheme name="Office">
-      <a:majorFont>
-        <a:latin typeface="Calibri"/>
-        <a:ea typeface=""/>
-        <a:cs typeface=""/>
-        <a:font script="Jpan" typeface="ＭＳ Ｐゴシック"/>
-        <a:font script="Hang" typeface="맑은 고딕"/>
-        <a:font script="Hans" typeface="宋体"/>
-        <a:font script="Hant" typeface="新細明體"/>
-        <a:font script="Arab" typeface="Times New Roman"/>
-        <a:font script="Hebr" typeface="Times New Roman"/>
-        <a:font script="Thai" typeface="Angsana New"/>
-        <a:font script="Ethi" typeface="Nyala"/>
-        <a:font script="Beng" typeface="Vrinda"/>
-        <a:font script="Gujr" typeface="Shruti"/>
-        <a:font script="Khmr" typeface="MoolBoran"/>
-        <a:font script="Knda" typeface="Tunga"/>
-        <a:font script="Guru" typeface="Raavi"/>
-        <a:font script="Cans" typeface="Euphemia"/>
-        <a:font script="Cher" typeface="Plantagenet Cherokee"/>
-        <a:font script="Yiii" typeface="Microsoft Yi Baiti"/>
-        <a:font script="Tibt" typeface="Microsoft Himalaya"/>
-        <a:font script="Thaa" typeface="MV Boli"/>
-        <a:font script="Deva" typeface="Mangal"/>
-        <a:font script="Telu" typeface="Gautami"/>
-        <a:font script="Taml" typeface="Latha"/>
-        <a:font script="Syrc" typeface="Estrangelo Edessa"/>
-        <a:font script="Orya" typeface="Kalinga"/>
-        <a:font script="Mlym" typeface="Kartika"/>
-        <a:font script="Laoo" typeface="DokChampa"/>
-        <a:font script="Sinh" typeface="Iskoola Pota"/>
-        <a:font script="Mong" typeface="Mongolian Baiti"/>
-        <a:font script="Viet" typeface="Times New Roman"/>
-        <a:font script="Uigh" typeface="Microsoft Uighur"/>
-      </a:majorFont>
-      <a:minorFont>
-        <a:latin typeface="Calibri"/>
-        <a:ea typeface=""/>
-        <a:cs typeface=""/>
-        <a:font script="Jpan" typeface="ＭＳ Ｐゴシック"/>
-        <a:font script="Hang" typeface="맑은 고딕"/>
-        <a:font script="Hans" typeface="宋体"/>
-        <a:font script="Hant" typeface="新細明體"/>
-        <a:font script="Arab" typeface="Arial"/>
-        <a:font script="Hebr" typeface="Arial"/>
-        <a:font script="Thai" typeface="Cordia New"/>
-        <a:font script="Ethi" typeface="Nyala"/>
-        <a:font script="Beng" typeface="Vrinda"/>
-        <a:font script="Gujr" typeface="Shruti"/>
-        <a:font script="Khmr" typeface="DaunPenh"/>
-        <a:font script="Knda" typeface="Tunga"/>
-        <a:font script="Guru" typeface="Raavi"/>
-        <a:font script="Cans" typeface="Euphemia"/>
-        <a:font script="Cher" typeface="Plantagenet Cherokee"/>
-        <a:font script="Yiii" typeface="Microsoft Yi Baiti"/>
-        <a:font script="Tibt" typeface="Microsoft Himalaya"/>
-        <a:font script="Thaa" typeface="MV Boli"/>
-        <a:font script="Deva" typeface="Mangal"/>
-        <a:font script="Telu" typeface="Gautami"/>
-        <a:font script="Taml" typeface="Latha"/>
-        <a:font script="Syrc" typeface="Estrangelo Edessa"/>
-        <a:font script="Orya" typeface="Kalinga"/>
-        <a:font script="Mlym" typeface="Kartika"/>
-        <a:font script="Laoo" typeface="DokChampa"/>
-        <a:font script="Sinh" typeface="Iskoola Pota"/>
-        <a:font script="Mong" typeface="Mongolian Baiti"/>
-        <a:font script="Viet" typeface="Arial"/>
-        <a:font script="Uigh" typeface="Microsoft Uighur"/>
-      </a:minorFont>
-    </a:fontScheme>
-    <a:fmtScheme name="Office">
-      <a:fillStyleLst>
-        <a:solidFill>
-          <a:schemeClr val="phClr"/>
-        </a:solidFill>
-        <a:gradFill rotWithShape="1">
-          <a:gsLst>
-            <a:gs pos="0">
-              <a:schemeClr val="phClr">
-                <a:tint val="50000"/>
-                <a:satMod val="300000"/>
-              </a:schemeClr>
-            </a:gs>
-            <a:gs pos="35000">
-              <a:schemeClr val="phClr">
-                <a:tint val="37000"/>
-                <a:satMod val="300000"/>
-              </a:schemeClr>
-            </a:gs>
-            <a:gs pos="100000">
-              <a:schemeClr val="phClr">
-                <a:tint val="15000"/>
-                <a:satMod val="350000"/>
-              </a:schemeClr>
-            </a:gs>
-          </a:gsLst>
-          <a:lin ang="16200000" scaled="1"/>
-        </a:gradFill>
-        <a:gradFill rotWithShape="1">
-          <a:gsLst>
-            <a:gs pos="0">
-              <a:schemeClr val="phClr">
-                <a:tint val="100000"/>
-                <a:shade val="100000"/>
-                <a:satMod val="130000"/>
-              </a:schemeClr>
-            </a:gs>
-            <a:gs pos="100000">
-              <a:schemeClr val="phClr">
-                <a:tint val="50000"/>
-                <a:shade val="100000"/>
-                <a:satMod val="350000"/>
-              </a:schemeClr>
-            </a:gs>
-          </a:gsLst>
-          <a:lin ang="16200000" scaled="0"/>
-        </a:gradFill>
-      </a:fillStyleLst>
-      <a:lnStyleLst>
-        <a:ln w="9525" cap="flat" cmpd="sng" algn="ctr">
-          <a:solidFill>
-            <a:schemeClr val="phClr">
-              <a:shade val="95000"/>
-              <a:satMod val="105000"/>
-            </a:schemeClr>
-          </a:solidFill>
-          <a:prstDash val="solid"/>
-        </a:ln>
-        <a:ln w="25400" cap="flat" cmpd="sng" algn="ctr">
-          <a:solidFill>
-            <a:schemeClr val="phClr"/>
-          </a:solidFill>
-          <a:prstDash val="solid"/>
-        </a:ln>
-        <a:ln w="38100" cap="flat" cmpd="sng" algn="ctr">
-          <a:solidFill>
-            <a:schemeClr val="phClr"/>
-          </a:solidFill>
-          <a:prstDash val="solid"/>
-        </a:ln>
-      </a:lnStyleLst>
-      <a:effectStyleLst>
-        <a:effectStyle>
-          <a:effectLst>
-            <a:outerShdw blurRad="40000" dist="20000" dir="5400000" rotWithShape="0">
-              <a:srgbClr val="000000">
-                <a:alpha val="38000"/>
-              </a:srgbClr>
-            </a:outerShdw>
-          </a:effectLst>
-        </a:effectStyle>
-        <a:effectStyle>
-          <a:effectLst>
-            <a:outerShdw blurRad="40000" dist="23000" dir="5400000" rotWithShape="0">
-              <a:srgbClr val="000000">
-                <a:alpha val="35000"/>
-              </a:srgbClr>
-            </a:outerShdw>
-          </a:effectLst>
-        </a:effectStyle>
-        <a:effectStyle>
-          <a:effectLst>
-            <a:outerShdw blurRad="40000" dist="23000" dir="5400000" rotWithShape="0">
-              <a:srgbClr val="000000">
-                <a:alpha val="35000"/>
-              </a:srgbClr>
-            </a:outerShdw>
-          </a:effectLst>
-          <a:scene3d>
-            <a:camera prst="orthographicFront">
-              <a:rot lat="0" lon="0" rev="0"/>
-            </a:camera>
-            <a:lightRig rig="threePt" dir="t">
-              <a:rot lat="0" lon="0" rev="1200000"/>
-            </a:lightRig>
-          </a:scene3d>
-          <a:sp3d>
-            <a:bevelT w="63500" h="25400"/>
-          </a:sp3d>
-        </a:effectStyle>
-      </a:effectStyleLst>
-      <a:bgFillStyleLst>
-        <a:solidFill>
-          <a:schemeClr val="phClr"/>
-        </a:solidFill>
-        <a:gradFill rotWithShape="1">
-          <a:gsLst>
-            <a:gs pos="0">
-              <a:schemeClr val="phClr">
-                <a:tint val="40000"/>
-                <a:satMod val="350000"/>
-              </a:schemeClr>
-            </a:gs>
-            <a:gs pos="40000">
-              <a:schemeClr val="phClr">
-                <a:tint val="45000"/>
-                <a:shade val="99000"/>
-                <a:satMod val="350000"/>
-              </a:schemeClr>
-            </a:gs>
-            <a:gs pos="100000">
-              <a:schemeClr val="phClr">
-                <a:shade val="20000"/>
-                <a:satMod val="255000"/>
-              </a:schemeClr>
-            </a:gs>
-          </a:gsLst>
-          <a:path path="circle">
-            <a:fillToRect l="50000" t="-80000" r="50000" b="180000"/>
-          </a:path>
-        </a:gradFill>
-        <a:gradFill rotWithShape="1">
-          <a:gsLst>
-            <a:gs pos="0">
-              <a:schemeClr val="phClr">
-                <a:tint val="80000"/>
-                <a:satMod val="300000"/>
-              </a:schemeClr>
-            </a:gs>
-            <a:gs pos="100000">
-              <a:schemeClr val="phClr">
-                <a:shade val="30000"/>
-                <a:satMod val="200000"/>
-              </a:schemeClr>
-            </a:gs>
-          </a:gsLst>
-          <a:path path="circle">
-            <a:fillToRect l="50000" t="50000" r="50000" b="50000"/>
-          </a:path>
-        </a:gradFill>
-      </a:bgFillStyleLst>
-    </a:fmtScheme>
-  </a:themeElements>
-  <a:objectDefaults>
-    <a:spDef>
-      <a:spPr/>
-      <a:bodyPr/>
-      <a:lstStyle/>
-      <a:style>
-        <a:lnRef idx="1">
-          <a:schemeClr val="accent1"/>
-        </a:lnRef>
-        <a:fillRef idx="3">
-          <a:schemeClr val="accent1"/>
-        </a:fillRef>
-        <a:effectRef idx="2">
-          <a:schemeClr val="accent1"/>
-        </a:effectRef>
-        <a:fontRef idx="minor">
-          <a:schemeClr val="lt1"/>
-        </a:fontRef>
-      </a:style>
-    </a:spDef>
-    <a:lnDef>
-      <a:spPr/>
-      <a:bodyPr/>
-      <a:lstStyle/>
-      <a:style>
-        <a:lnRef idx="2">
-          <a:schemeClr val="accent1"/>
-        </a:lnRef>
-        <a:fillRef idx="0">
-          <a:schemeClr val="accent1"/>
-        </a:fillRef>
-        <a:effectRef idx="1">
-          <a:schemeClr val="accent1"/>
-        </a:effectRef>
-        <a:fontRef idx="minor">
-          <a:schemeClr val="tx1"/>
-        </a:fontRef>
-      </a:style>
-    </a:lnDef>
-  </a:objectDefaults>
-  <a:extraClrSchemeLst/>
-</a:theme>
 </file>